--- a/02_working/07_IDE/02_スライド/IDE&VS_20180508.pptx
+++ b/02_working/07_IDE/02_スライド/IDE&VS_20180508.pptx
@@ -15,6 +15,8 @@
     <p:sldId id="262" r:id="rId9"/>
     <p:sldId id="263" r:id="rId10"/>
     <p:sldId id="264" r:id="rId11"/>
+    <p:sldId id="266" r:id="rId12"/>
+    <p:sldId id="267" r:id="rId13"/>
   </p:sldIdLst>
   <p:sldSz cx="9144000" cy="6858000" type="screen4x3"/>
   <p:notesSz cx="6858000" cy="9144000"/>
@@ -347,7 +349,7 @@
           <a:p>
             <a:fld id="{FE5045DB-5CE2-4737-A7D7-B6012A5C6CCD}" type="datetimeFigureOut">
               <a:rPr kumimoji="1" lang="ja-JP" altLang="en-US" smtClean="0"/>
-              <a:t>2018/5/7</a:t>
+              <a:t>2018/5/8</a:t>
             </a:fld>
             <a:endParaRPr kumimoji="1" lang="ja-JP" altLang="en-US"/>
           </a:p>
@@ -587,7 +589,7 @@
           <a:p>
             <a:fld id="{FE5045DB-5CE2-4737-A7D7-B6012A5C6CCD}" type="datetimeFigureOut">
               <a:rPr kumimoji="1" lang="ja-JP" altLang="en-US" smtClean="0"/>
-              <a:t>2018/5/7</a:t>
+              <a:t>2018/5/8</a:t>
             </a:fld>
             <a:endParaRPr kumimoji="1" lang="ja-JP" altLang="en-US"/>
           </a:p>
@@ -875,7 +877,7 @@
           <a:p>
             <a:fld id="{FE5045DB-5CE2-4737-A7D7-B6012A5C6CCD}" type="datetimeFigureOut">
               <a:rPr kumimoji="1" lang="ja-JP" altLang="en-US" smtClean="0"/>
-              <a:t>2018/5/7</a:t>
+              <a:t>2018/5/8</a:t>
             </a:fld>
             <a:endParaRPr kumimoji="1" lang="ja-JP" altLang="en-US"/>
           </a:p>
@@ -1077,7 +1079,7 @@
           <a:p>
             <a:fld id="{FE5045DB-5CE2-4737-A7D7-B6012A5C6CCD}" type="datetimeFigureOut">
               <a:rPr kumimoji="1" lang="ja-JP" altLang="en-US" smtClean="0"/>
-              <a:t>2018/5/7</a:t>
+              <a:t>2018/5/8</a:t>
             </a:fld>
             <a:endParaRPr kumimoji="1" lang="ja-JP" altLang="en-US"/>
           </a:p>
@@ -1420,7 +1422,7 @@
           <a:p>
             <a:fld id="{FE5045DB-5CE2-4737-A7D7-B6012A5C6CCD}" type="datetimeFigureOut">
               <a:rPr kumimoji="1" lang="ja-JP" altLang="en-US" smtClean="0"/>
-              <a:t>2018/5/7</a:t>
+              <a:t>2018/5/8</a:t>
             </a:fld>
             <a:endParaRPr kumimoji="1" lang="ja-JP" altLang="en-US"/>
           </a:p>
@@ -1759,7 +1761,7 @@
           <a:p>
             <a:fld id="{FE5045DB-5CE2-4737-A7D7-B6012A5C6CCD}" type="datetimeFigureOut">
               <a:rPr kumimoji="1" lang="ja-JP" altLang="en-US" smtClean="0"/>
-              <a:t>2018/5/7</a:t>
+              <a:t>2018/5/8</a:t>
             </a:fld>
             <a:endParaRPr kumimoji="1" lang="ja-JP" altLang="en-US"/>
           </a:p>
@@ -2202,7 +2204,7 @@
           <a:p>
             <a:fld id="{FE5045DB-5CE2-4737-A7D7-B6012A5C6CCD}" type="datetimeFigureOut">
               <a:rPr kumimoji="1" lang="ja-JP" altLang="en-US" smtClean="0"/>
-              <a:t>2018/5/7</a:t>
+              <a:t>2018/5/8</a:t>
             </a:fld>
             <a:endParaRPr kumimoji="1" lang="ja-JP" altLang="en-US"/>
           </a:p>
@@ -2320,7 +2322,7 @@
           <a:p>
             <a:fld id="{FE5045DB-5CE2-4737-A7D7-B6012A5C6CCD}" type="datetimeFigureOut">
               <a:rPr kumimoji="1" lang="ja-JP" altLang="en-US" smtClean="0"/>
-              <a:t>2018/5/7</a:t>
+              <a:t>2018/5/8</a:t>
             </a:fld>
             <a:endParaRPr kumimoji="1" lang="ja-JP" altLang="en-US"/>
           </a:p>
@@ -2491,7 +2493,7 @@
           <a:p>
             <a:fld id="{FE5045DB-5CE2-4737-A7D7-B6012A5C6CCD}" type="datetimeFigureOut">
               <a:rPr kumimoji="1" lang="ja-JP" altLang="en-US" smtClean="0"/>
-              <a:t>2018/5/7</a:t>
+              <a:t>2018/5/8</a:t>
             </a:fld>
             <a:endParaRPr kumimoji="1" lang="ja-JP" altLang="en-US"/>
           </a:p>
@@ -2877,7 +2879,7 @@
           <a:p>
             <a:fld id="{FE5045DB-5CE2-4737-A7D7-B6012A5C6CCD}" type="datetimeFigureOut">
               <a:rPr kumimoji="1" lang="ja-JP" altLang="en-US" smtClean="0"/>
-              <a:t>2018/5/7</a:t>
+              <a:t>2018/5/8</a:t>
             </a:fld>
             <a:endParaRPr kumimoji="1" lang="ja-JP" altLang="en-US"/>
           </a:p>
@@ -3259,7 +3261,7 @@
           <a:p>
             <a:fld id="{FE5045DB-5CE2-4737-A7D7-B6012A5C6CCD}" type="datetimeFigureOut">
               <a:rPr kumimoji="1" lang="ja-JP" altLang="en-US" smtClean="0"/>
-              <a:t>2018/5/7</a:t>
+              <a:t>2018/5/8</a:t>
             </a:fld>
             <a:endParaRPr kumimoji="1" lang="ja-JP" altLang="en-US"/>
           </a:p>
@@ -3578,7 +3580,7 @@
           <a:p>
             <a:fld id="{FE5045DB-5CE2-4737-A7D7-B6012A5C6CCD}" type="datetimeFigureOut">
               <a:rPr kumimoji="1" lang="ja-JP" altLang="en-US" smtClean="0"/>
-              <a:t>2018/5/7</a:t>
+              <a:t>2018/5/8</a:t>
             </a:fld>
             <a:endParaRPr kumimoji="1" lang="ja-JP" altLang="en-US"/>
           </a:p>
@@ -4120,46 +4122,48 @@
         </p:nvSpPr>
         <p:spPr/>
         <p:txBody>
-          <a:bodyPr/>
-          <a:lstStyle/>
-          <a:p>
-            <a:r>
-              <a:rPr kumimoji="1" lang="en-US" altLang="ja-JP" b="1" dirty="0">
+          <a:bodyPr>
+            <a:normAutofit/>
+          </a:bodyPr>
+          <a:lstStyle/>
+          <a:p>
+            <a:r>
+              <a:rPr kumimoji="1" lang="en-US" altLang="ja-JP" sz="6000" b="1" dirty="0">
                 <a:solidFill>
                   <a:schemeClr val="tx1">
-                    <a:lumMod val="65000"/>
-                    <a:lumOff val="35000"/>
+                    <a:lumMod val="75000"/>
+                    <a:lumOff val="25000"/>
                   </a:schemeClr>
                 </a:solidFill>
               </a:rPr>
               <a:t>IDE </a:t>
             </a:r>
             <a:br>
-              <a:rPr kumimoji="1" lang="en-US" altLang="ja-JP" b="1" dirty="0">
+              <a:rPr kumimoji="1" lang="en-US" altLang="ja-JP" sz="6000" b="1" dirty="0">
                 <a:solidFill>
                   <a:schemeClr val="tx1">
-                    <a:lumMod val="65000"/>
-                    <a:lumOff val="35000"/>
+                    <a:lumMod val="75000"/>
+                    <a:lumOff val="25000"/>
                   </a:schemeClr>
                 </a:solidFill>
               </a:rPr>
             </a:br>
             <a:r>
-              <a:rPr kumimoji="1" lang="en-US" altLang="ja-JP" b="1" dirty="0">
+              <a:rPr kumimoji="1" lang="en-US" altLang="ja-JP" sz="6000" b="1" dirty="0">
                 <a:solidFill>
                   <a:schemeClr val="tx1">
-                    <a:lumMod val="65000"/>
-                    <a:lumOff val="35000"/>
+                    <a:lumMod val="75000"/>
+                    <a:lumOff val="25000"/>
                   </a:schemeClr>
                 </a:solidFill>
               </a:rPr>
               <a:t>&amp; Visual Studio</a:t>
             </a:r>
-            <a:endParaRPr kumimoji="1" lang="ja-JP" altLang="en-US" b="1" dirty="0">
+            <a:endParaRPr kumimoji="1" lang="ja-JP" altLang="en-US" sz="6000" b="1" dirty="0">
               <a:solidFill>
                 <a:schemeClr val="tx1">
-                  <a:lumMod val="65000"/>
-                  <a:lumOff val="35000"/>
+                  <a:lumMod val="75000"/>
+                  <a:lumOff val="25000"/>
                 </a:schemeClr>
               </a:solidFill>
             </a:endParaRPr>
@@ -4258,9 +4262,12 @@
           <a:p>
             <a:r>
               <a:rPr kumimoji="1" lang="en-US" altLang="ja-JP" b="1" dirty="0"/>
-              <a:t>7. How to use VS</a:t>
-            </a:r>
-            <a:endParaRPr kumimoji="1" lang="ja-JP" altLang="en-US" b="1" dirty="0"/>
+              <a:t>7. How to use VS </a:t>
+            </a:r>
+            <a:r>
+              <a:rPr kumimoji="1" lang="ja-JP" altLang="en-US" b="1" dirty="0"/>
+              <a:t>①</a:t>
+            </a:r>
           </a:p>
         </p:txBody>
       </p:sp>
@@ -4280,52 +4287,393 @@
             <p:ph idx="1"/>
           </p:nvPr>
         </p:nvSpPr>
-        <p:spPr/>
+        <p:spPr>
+          <a:xfrm>
+            <a:off x="822959" y="1845734"/>
+            <a:ext cx="7543801" cy="4555066"/>
+          </a:xfrm>
+        </p:spPr>
         <p:txBody>
           <a:bodyPr/>
           <a:lstStyle/>
           <a:p>
             <a:r>
               <a:rPr kumimoji="1" lang="en-US" altLang="ja-JP" dirty="0"/>
-              <a:t>1. What is IDE</a:t>
-            </a:r>
-          </a:p>
-          <a:p>
-            <a:r>
-              <a:rPr lang="en-US" altLang="ja-JP" dirty="0"/>
-              <a:t>2. What is Visual Studio</a:t>
+              <a:t>1. Create a project</a:t>
+            </a:r>
+          </a:p>
+          <a:p>
+            <a:r>
+              <a:rPr kumimoji="1" lang="ja-JP" altLang="en-US" dirty="0"/>
+              <a:t>　</a:t>
+            </a:r>
+            <a:r>
+              <a:rPr kumimoji="1" lang="en-US" altLang="ja-JP" sz="1800" dirty="0"/>
+              <a:t>Project: put source files necessary to creat</a:t>
+            </a:r>
+            <a:r>
+              <a:rPr lang="en-US" altLang="ja-JP" sz="1800" dirty="0"/>
+              <a:t>e a project</a:t>
+            </a:r>
+            <a:r>
+              <a:rPr kumimoji="1" lang="en-US" altLang="ja-JP" sz="1800" dirty="0"/>
+              <a:t> in one</a:t>
+            </a:r>
+          </a:p>
+          <a:p>
+            <a:r>
+              <a:rPr lang="ja-JP" altLang="en-US" sz="1800" dirty="0"/>
+              <a:t>　</a:t>
+            </a:r>
+            <a:r>
+              <a:rPr lang="en-US" altLang="ja-JP" sz="1800" dirty="0"/>
+              <a:t>[File] - [New] – [Project]</a:t>
             </a:r>
           </a:p>
           <a:p>
             <a:r>
               <a:rPr kumimoji="1" lang="en-US" altLang="ja-JP" dirty="0"/>
-              <a:t>3. Functions of VS</a:t>
-            </a:r>
-          </a:p>
-          <a:p>
-            <a:r>
-              <a:rPr lang="en-US" altLang="ja-JP" dirty="0"/>
-              <a:t>4. How to download VS</a:t>
-            </a:r>
-          </a:p>
-          <a:p>
-            <a:r>
-              <a:rPr kumimoji="1" lang="en-US" altLang="ja-JP" dirty="0"/>
-              <a:t>5. How to install VS</a:t>
-            </a:r>
-          </a:p>
-          <a:p>
-            <a:r>
-              <a:rPr lang="en-US" altLang="ja-JP" dirty="0"/>
-              <a:t>6. Who can use VS</a:t>
-            </a:r>
-          </a:p>
-          <a:p>
-            <a:r>
-              <a:rPr kumimoji="1" lang="en-US" altLang="ja-JP" dirty="0"/>
-              <a:t>7. How to use VS </a:t>
-            </a:r>
-            <a:endParaRPr kumimoji="1" lang="ja-JP" altLang="en-US" dirty="0"/>
+              <a:t>2. Settings by [New Project] dialogue</a:t>
+            </a:r>
+          </a:p>
+          <a:p>
+            <a:r>
+              <a:rPr kumimoji="1" lang="ja-JP" altLang="en-US" dirty="0"/>
+              <a:t>　</a:t>
+            </a:r>
+            <a:r>
+              <a:rPr kumimoji="1" lang="ja-JP" altLang="en-US" sz="1800" dirty="0"/>
+              <a:t>① </a:t>
+            </a:r>
+            <a:r>
+              <a:rPr kumimoji="1" lang="en-US" altLang="ja-JP" sz="1800" dirty="0"/>
+              <a:t>Select a programming language</a:t>
+            </a:r>
+          </a:p>
+          <a:p>
+            <a:r>
+              <a:rPr lang="ja-JP" altLang="en-US" sz="1800" dirty="0"/>
+              <a:t>　② </a:t>
+            </a:r>
+            <a:r>
+              <a:rPr lang="en-US" altLang="ja-JP" sz="1800" dirty="0"/>
+              <a:t>Select the type of a program</a:t>
+            </a:r>
+          </a:p>
+          <a:p>
+            <a:r>
+              <a:rPr lang="ja-JP" altLang="en-US" sz="1800" dirty="0"/>
+              <a:t>　　 </a:t>
+            </a:r>
+            <a:r>
+              <a:rPr lang="en-US" altLang="ja-JP" sz="1800" dirty="0"/>
+              <a:t>Console application and so on</a:t>
+            </a:r>
+          </a:p>
+          <a:p>
+            <a:r>
+              <a:rPr kumimoji="1" lang="ja-JP" altLang="en-US" sz="1800" dirty="0"/>
+              <a:t>　③ </a:t>
+            </a:r>
+            <a:r>
+              <a:rPr lang="en-US" altLang="ja-JP" sz="1800" dirty="0"/>
+              <a:t>Name of a project</a:t>
+            </a:r>
+            <a:endParaRPr kumimoji="1" lang="en-US" altLang="ja-JP" sz="1800" dirty="0"/>
+          </a:p>
+          <a:p>
+            <a:r>
+              <a:rPr lang="ja-JP" altLang="en-US" sz="1800" dirty="0"/>
+              <a:t>　④ </a:t>
+            </a:r>
+            <a:r>
+              <a:rPr lang="en-US" altLang="ja-JP" sz="1800" dirty="0"/>
+              <a:t>Directory to save</a:t>
+            </a:r>
+          </a:p>
+          <a:p>
+            <a:r>
+              <a:rPr kumimoji="1" lang="ja-JP" altLang="en-US" sz="1800" dirty="0"/>
+              <a:t>　⑤ </a:t>
+            </a:r>
+            <a:r>
+              <a:rPr kumimoji="1" lang="en-US" altLang="ja-JP" sz="1800" dirty="0"/>
+              <a:t>Name of a solution (same as </a:t>
+            </a:r>
+            <a:r>
+              <a:rPr kumimoji="1" lang="ja-JP" altLang="en-US" sz="1800" dirty="0"/>
+              <a:t>③</a:t>
+            </a:r>
+            <a:r>
+              <a:rPr kumimoji="1" lang="en-US" altLang="ja-JP" sz="1800" dirty="0"/>
+              <a:t>) </a:t>
+            </a:r>
+            <a:endParaRPr kumimoji="1" lang="ja-JP" altLang="en-US" sz="1800" dirty="0"/>
+          </a:p>
+        </p:txBody>
+      </p:sp>
+      <p:pic>
+        <p:nvPicPr>
+          <p:cNvPr id="4" name="Picture 3">
+            <a:extLst>
+              <a:ext uri="{FF2B5EF4-FFF2-40B4-BE49-F238E27FC236}">
+                <a16:creationId xmlns:a16="http://schemas.microsoft.com/office/drawing/2014/main" id="{45142AEF-B0DB-4886-8CC9-58BDF539897E}"/>
+              </a:ext>
+            </a:extLst>
+          </p:cNvPr>
+          <p:cNvPicPr>
+            <a:picLocks noChangeAspect="1" noChangeArrowheads="1"/>
+          </p:cNvPicPr>
+          <p:nvPr/>
+        </p:nvPicPr>
+        <p:blipFill>
+          <a:blip r:embed="rId2">
+            <a:extLst>
+              <a:ext uri="{28A0092B-C50C-407E-A947-70E740481C1C}">
+                <a14:useLocalDpi xmlns:a14="http://schemas.microsoft.com/office/drawing/2010/main" val="0"/>
+              </a:ext>
+            </a:extLst>
+          </a:blip>
+          <a:srcRect/>
+          <a:stretch>
+            <a:fillRect/>
+          </a:stretch>
+        </p:blipFill>
+        <p:spPr bwMode="auto">
+          <a:xfrm>
+            <a:off x="5126001" y="3577281"/>
+            <a:ext cx="3869718" cy="2674361"/>
+          </a:xfrm>
+          <a:prstGeom prst="rect">
+            <a:avLst/>
+          </a:prstGeom>
+          <a:noFill/>
+          <a:ln>
+            <a:noFill/>
+          </a:ln>
+          <a:extLst>
+            <a:ext uri="{909E8E84-426E-40DD-AFC4-6F175D3DCCD1}">
+              <a14:hiddenFill xmlns:a14="http://schemas.microsoft.com/office/drawing/2010/main">
+                <a:solidFill>
+                  <a:schemeClr val="accent1"/>
+                </a:solidFill>
+              </a14:hiddenFill>
+            </a:ext>
+            <a:ext uri="{91240B29-F687-4F45-9708-019B960494DF}">
+              <a14:hiddenLine xmlns:a14="http://schemas.microsoft.com/office/drawing/2010/main" w="9525">
+                <a:solidFill>
+                  <a:schemeClr val="tx1"/>
+                </a:solidFill>
+                <a:miter lim="800000"/>
+                <a:headEnd/>
+                <a:tailEnd/>
+              </a14:hiddenLine>
+            </a:ext>
+          </a:extLst>
+        </p:spPr>
+      </p:pic>
+      <p:sp>
+        <p:nvSpPr>
+          <p:cNvPr id="5" name="テキスト ボックス 4">
+            <a:extLst>
+              <a:ext uri="{FF2B5EF4-FFF2-40B4-BE49-F238E27FC236}">
+                <a16:creationId xmlns:a16="http://schemas.microsoft.com/office/drawing/2014/main" id="{D52B83E7-D2BE-4509-B319-F40B1EA2D669}"/>
+              </a:ext>
+            </a:extLst>
+          </p:cNvPr>
+          <p:cNvSpPr txBox="1"/>
+          <p:nvPr/>
+        </p:nvSpPr>
+        <p:spPr>
+          <a:xfrm>
+            <a:off x="5180383" y="3815490"/>
+            <a:ext cx="367801" cy="307777"/>
+          </a:xfrm>
+          <a:prstGeom prst="rect">
+            <a:avLst/>
+          </a:prstGeom>
+          <a:solidFill>
+            <a:schemeClr val="accent1"/>
+          </a:solidFill>
+        </p:spPr>
+        <p:txBody>
+          <a:bodyPr wrap="square" rtlCol="0">
+            <a:spAutoFit/>
+          </a:bodyPr>
+          <a:lstStyle/>
+          <a:p>
+            <a:r>
+              <a:rPr kumimoji="1" lang="ja-JP" altLang="en-US" sz="1400" b="1" dirty="0">
+                <a:solidFill>
+                  <a:schemeClr val="bg1"/>
+                </a:solidFill>
+              </a:rPr>
+              <a:t>①</a:t>
+            </a:r>
+          </a:p>
+        </p:txBody>
+      </p:sp>
+      <p:sp>
+        <p:nvSpPr>
+          <p:cNvPr id="6" name="テキスト ボックス 5">
+            <a:extLst>
+              <a:ext uri="{FF2B5EF4-FFF2-40B4-BE49-F238E27FC236}">
+                <a16:creationId xmlns:a16="http://schemas.microsoft.com/office/drawing/2014/main" id="{D06CE397-98D8-4549-A510-69724526FADC}"/>
+              </a:ext>
+            </a:extLst>
+          </p:cNvPr>
+          <p:cNvSpPr txBox="1"/>
+          <p:nvPr/>
+        </p:nvSpPr>
+        <p:spPr>
+          <a:xfrm>
+            <a:off x="6052156" y="3815490"/>
+            <a:ext cx="367801" cy="307777"/>
+          </a:xfrm>
+          <a:prstGeom prst="rect">
+            <a:avLst/>
+          </a:prstGeom>
+          <a:solidFill>
+            <a:schemeClr val="accent1"/>
+          </a:solidFill>
+        </p:spPr>
+        <p:txBody>
+          <a:bodyPr wrap="square" rtlCol="0">
+            <a:spAutoFit/>
+          </a:bodyPr>
+          <a:lstStyle/>
+          <a:p>
+            <a:r>
+              <a:rPr kumimoji="1" lang="ja-JP" altLang="en-US" sz="1400" b="1" dirty="0">
+                <a:solidFill>
+                  <a:schemeClr val="bg1"/>
+                </a:solidFill>
+              </a:rPr>
+              <a:t>②</a:t>
+            </a:r>
+          </a:p>
+        </p:txBody>
+      </p:sp>
+      <p:sp>
+        <p:nvSpPr>
+          <p:cNvPr id="7" name="テキスト ボックス 6">
+            <a:extLst>
+              <a:ext uri="{FF2B5EF4-FFF2-40B4-BE49-F238E27FC236}">
+                <a16:creationId xmlns:a16="http://schemas.microsoft.com/office/drawing/2014/main" id="{D1141F7E-F9C2-4281-8166-2672A2A63482}"/>
+              </a:ext>
+            </a:extLst>
+          </p:cNvPr>
+          <p:cNvSpPr txBox="1"/>
+          <p:nvPr/>
+        </p:nvSpPr>
+        <p:spPr>
+          <a:xfrm>
+            <a:off x="5383235" y="5346883"/>
+            <a:ext cx="333427" cy="307777"/>
+          </a:xfrm>
+          <a:prstGeom prst="rect">
+            <a:avLst/>
+          </a:prstGeom>
+          <a:solidFill>
+            <a:schemeClr val="accent1"/>
+          </a:solidFill>
+        </p:spPr>
+        <p:txBody>
+          <a:bodyPr wrap="square" rtlCol="0">
+            <a:spAutoFit/>
+          </a:bodyPr>
+          <a:lstStyle/>
+          <a:p>
+            <a:r>
+              <a:rPr kumimoji="1" lang="ja-JP" altLang="en-US" sz="1400" b="1" dirty="0">
+                <a:solidFill>
+                  <a:schemeClr val="bg1"/>
+                </a:solidFill>
+              </a:rPr>
+              <a:t>③</a:t>
+            </a:r>
+          </a:p>
+        </p:txBody>
+      </p:sp>
+      <p:sp>
+        <p:nvSpPr>
+          <p:cNvPr id="8" name="テキスト ボックス 7">
+            <a:extLst>
+              <a:ext uri="{FF2B5EF4-FFF2-40B4-BE49-F238E27FC236}">
+                <a16:creationId xmlns:a16="http://schemas.microsoft.com/office/drawing/2014/main" id="{E033291B-CDD5-4B63-8E50-9101360A018D}"/>
+              </a:ext>
+            </a:extLst>
+          </p:cNvPr>
+          <p:cNvSpPr txBox="1"/>
+          <p:nvPr/>
+        </p:nvSpPr>
+        <p:spPr>
+          <a:xfrm>
+            <a:off x="5383235" y="5654660"/>
+            <a:ext cx="329898" cy="307777"/>
+          </a:xfrm>
+          <a:prstGeom prst="rect">
+            <a:avLst/>
+          </a:prstGeom>
+          <a:solidFill>
+            <a:schemeClr val="accent1"/>
+          </a:solidFill>
+        </p:spPr>
+        <p:txBody>
+          <a:bodyPr wrap="square" rtlCol="0">
+            <a:spAutoFit/>
+          </a:bodyPr>
+          <a:lstStyle/>
+          <a:p>
+            <a:r>
+              <a:rPr kumimoji="1" lang="ja-JP" altLang="en-US" sz="1400" b="1" dirty="0">
+                <a:solidFill>
+                  <a:schemeClr val="bg1"/>
+                </a:solidFill>
+              </a:rPr>
+              <a:t>④</a:t>
+            </a:r>
+          </a:p>
+        </p:txBody>
+      </p:sp>
+      <p:sp>
+        <p:nvSpPr>
+          <p:cNvPr id="9" name="テキスト ボックス 8">
+            <a:extLst>
+              <a:ext uri="{FF2B5EF4-FFF2-40B4-BE49-F238E27FC236}">
+                <a16:creationId xmlns:a16="http://schemas.microsoft.com/office/drawing/2014/main" id="{4687BBE9-50D2-4034-818F-4EF2F260B1B9}"/>
+              </a:ext>
+            </a:extLst>
+          </p:cNvPr>
+          <p:cNvSpPr txBox="1"/>
+          <p:nvPr/>
+        </p:nvSpPr>
+        <p:spPr>
+          <a:xfrm>
+            <a:off x="5383235" y="5962437"/>
+            <a:ext cx="329898" cy="307777"/>
+          </a:xfrm>
+          <a:prstGeom prst="rect">
+            <a:avLst/>
+          </a:prstGeom>
+          <a:solidFill>
+            <a:schemeClr val="accent1"/>
+          </a:solidFill>
+        </p:spPr>
+        <p:txBody>
+          <a:bodyPr wrap="square" rtlCol="0">
+            <a:spAutoFit/>
+          </a:bodyPr>
+          <a:lstStyle/>
+          <a:p>
+            <a:r>
+              <a:rPr kumimoji="1" lang="ja-JP" altLang="en-US" sz="1400" b="1" dirty="0">
+                <a:solidFill>
+                  <a:schemeClr val="bg1"/>
+                </a:solidFill>
+              </a:rPr>
+              <a:t>⑤</a:t>
+            </a:r>
           </a:p>
         </p:txBody>
       </p:sp>
@@ -4333,6 +4681,1645 @@
     <p:extLst>
       <p:ext uri="{BB962C8B-B14F-4D97-AF65-F5344CB8AC3E}">
         <p14:creationId xmlns:p14="http://schemas.microsoft.com/office/powerpoint/2010/main" val="3225821923"/>
+      </p:ext>
+    </p:extLst>
+  </p:cSld>
+  <p:clrMapOvr>
+    <a:masterClrMapping/>
+  </p:clrMapOvr>
+</p:sld>
+</file>
+
+<file path=ppt/slides/slide11.xml><?xml version="1.0" encoding="utf-8"?>
+<p:sld xmlns:a="http://schemas.openxmlformats.org/drawingml/2006/main" xmlns:r="http://schemas.openxmlformats.org/officeDocument/2006/relationships" xmlns:p="http://schemas.openxmlformats.org/presentationml/2006/main">
+  <p:cSld>
+    <p:spTree>
+      <p:nvGrpSpPr>
+        <p:cNvPr id="1" name=""/>
+        <p:cNvGrpSpPr/>
+        <p:nvPr/>
+      </p:nvGrpSpPr>
+      <p:grpSpPr>
+        <a:xfrm>
+          <a:off x="0" y="0"/>
+          <a:ext cx="0" cy="0"/>
+          <a:chOff x="0" y="0"/>
+          <a:chExt cx="0" cy="0"/>
+        </a:xfrm>
+      </p:grpSpPr>
+      <p:sp>
+        <p:nvSpPr>
+          <p:cNvPr id="2" name="タイトル 1">
+            <a:extLst>
+              <a:ext uri="{FF2B5EF4-FFF2-40B4-BE49-F238E27FC236}">
+                <a16:creationId xmlns:a16="http://schemas.microsoft.com/office/drawing/2014/main" id="{50AD2649-E38C-4EB3-BD31-1B4D2D45D935}"/>
+              </a:ext>
+            </a:extLst>
+          </p:cNvPr>
+          <p:cNvSpPr>
+            <a:spLocks noGrp="1"/>
+          </p:cNvSpPr>
+          <p:nvPr>
+            <p:ph type="title"/>
+          </p:nvPr>
+        </p:nvSpPr>
+        <p:spPr/>
+        <p:txBody>
+          <a:bodyPr/>
+          <a:lstStyle/>
+          <a:p>
+            <a:r>
+              <a:rPr kumimoji="1" lang="en-US" altLang="ja-JP" b="1" dirty="0"/>
+              <a:t>7. How to use VS </a:t>
+            </a:r>
+            <a:r>
+              <a:rPr lang="ja-JP" altLang="en-US" b="1" dirty="0"/>
+              <a:t>②</a:t>
+            </a:r>
+            <a:endParaRPr kumimoji="1" lang="ja-JP" altLang="en-US" b="1" dirty="0"/>
+          </a:p>
+        </p:txBody>
+      </p:sp>
+      <p:sp>
+        <p:nvSpPr>
+          <p:cNvPr id="3" name="コンテンツ プレースホルダー 2">
+            <a:extLst>
+              <a:ext uri="{FF2B5EF4-FFF2-40B4-BE49-F238E27FC236}">
+                <a16:creationId xmlns:a16="http://schemas.microsoft.com/office/drawing/2014/main" id="{837241A7-9163-429D-8197-040A455DA097}"/>
+              </a:ext>
+            </a:extLst>
+          </p:cNvPr>
+          <p:cNvSpPr>
+            <a:spLocks noGrp="1"/>
+          </p:cNvSpPr>
+          <p:nvPr>
+            <p:ph idx="1"/>
+          </p:nvPr>
+        </p:nvSpPr>
+        <p:spPr>
+          <a:xfrm>
+            <a:off x="822960" y="2682924"/>
+            <a:ext cx="5974070" cy="3186170"/>
+          </a:xfrm>
+        </p:spPr>
+        <p:txBody>
+          <a:bodyPr/>
+          <a:lstStyle/>
+          <a:p>
+            <a:r>
+              <a:rPr kumimoji="1" lang="en-US" altLang="ja-JP" dirty="0"/>
+              <a:t>1. What is IDE</a:t>
+            </a:r>
+          </a:p>
+          <a:p>
+            <a:endParaRPr kumimoji="1" lang="ja-JP" altLang="en-US" dirty="0"/>
+          </a:p>
+        </p:txBody>
+      </p:sp>
+      <p:pic>
+        <p:nvPicPr>
+          <p:cNvPr id="4" name="Picture 4">
+            <a:extLst>
+              <a:ext uri="{FF2B5EF4-FFF2-40B4-BE49-F238E27FC236}">
+                <a16:creationId xmlns:a16="http://schemas.microsoft.com/office/drawing/2014/main" id="{5E4B9CFF-BF35-4602-BF26-52635F284709}"/>
+              </a:ext>
+            </a:extLst>
+          </p:cNvPr>
+          <p:cNvPicPr>
+            <a:picLocks noChangeAspect="1" noChangeArrowheads="1"/>
+          </p:cNvPicPr>
+          <p:nvPr/>
+        </p:nvPicPr>
+        <p:blipFill>
+          <a:blip r:embed="rId2">
+            <a:extLst>
+              <a:ext uri="{28A0092B-C50C-407E-A947-70E740481C1C}">
+                <a14:useLocalDpi xmlns:a14="http://schemas.microsoft.com/office/drawing/2010/main" val="0"/>
+              </a:ext>
+            </a:extLst>
+          </a:blip>
+          <a:srcRect/>
+          <a:stretch>
+            <a:fillRect/>
+          </a:stretch>
+        </p:blipFill>
+        <p:spPr bwMode="auto">
+          <a:xfrm>
+            <a:off x="849527" y="2306095"/>
+            <a:ext cx="7543800" cy="3939827"/>
+          </a:xfrm>
+          <a:prstGeom prst="rect">
+            <a:avLst/>
+          </a:prstGeom>
+          <a:noFill/>
+          <a:ln>
+            <a:noFill/>
+          </a:ln>
+          <a:extLst>
+            <a:ext uri="{909E8E84-426E-40DD-AFC4-6F175D3DCCD1}">
+              <a14:hiddenFill xmlns:a14="http://schemas.microsoft.com/office/drawing/2010/main">
+                <a:solidFill>
+                  <a:schemeClr val="accent1"/>
+                </a:solidFill>
+              </a14:hiddenFill>
+            </a:ext>
+            <a:ext uri="{91240B29-F687-4F45-9708-019B960494DF}">
+              <a14:hiddenLine xmlns:a14="http://schemas.microsoft.com/office/drawing/2010/main" w="9525">
+                <a:solidFill>
+                  <a:schemeClr val="tx1"/>
+                </a:solidFill>
+                <a:miter lim="800000"/>
+                <a:headEnd/>
+                <a:tailEnd/>
+              </a14:hiddenLine>
+            </a:ext>
+          </a:extLst>
+        </p:spPr>
+      </p:pic>
+      <p:pic>
+        <p:nvPicPr>
+          <p:cNvPr id="7" name="Picture 5">
+            <a:extLst>
+              <a:ext uri="{FF2B5EF4-FFF2-40B4-BE49-F238E27FC236}">
+                <a16:creationId xmlns:a16="http://schemas.microsoft.com/office/drawing/2014/main" id="{818B020C-6DB7-43B0-930B-4BB50597CCE5}"/>
+              </a:ext>
+            </a:extLst>
+          </p:cNvPr>
+          <p:cNvPicPr>
+            <a:picLocks noChangeAspect="1" noChangeArrowheads="1"/>
+          </p:cNvPicPr>
+          <p:nvPr/>
+        </p:nvPicPr>
+        <p:blipFill>
+          <a:blip r:embed="rId3">
+            <a:extLst>
+              <a:ext uri="{28A0092B-C50C-407E-A947-70E740481C1C}">
+                <a14:useLocalDpi xmlns:a14="http://schemas.microsoft.com/office/drawing/2010/main" val="0"/>
+              </a:ext>
+            </a:extLst>
+          </a:blip>
+          <a:srcRect/>
+          <a:stretch>
+            <a:fillRect/>
+          </a:stretch>
+        </p:blipFill>
+        <p:spPr bwMode="auto">
+          <a:xfrm>
+            <a:off x="5978112" y="4950197"/>
+            <a:ext cx="2856970" cy="1351899"/>
+          </a:xfrm>
+          <a:prstGeom prst="rect">
+            <a:avLst/>
+          </a:prstGeom>
+          <a:noFill/>
+          <a:ln>
+            <a:noFill/>
+          </a:ln>
+          <a:extLst>
+            <a:ext uri="{909E8E84-426E-40DD-AFC4-6F175D3DCCD1}">
+              <a14:hiddenFill xmlns:a14="http://schemas.microsoft.com/office/drawing/2010/main">
+                <a:solidFill>
+                  <a:schemeClr val="accent1"/>
+                </a:solidFill>
+              </a14:hiddenFill>
+            </a:ext>
+            <a:ext uri="{91240B29-F687-4F45-9708-019B960494DF}">
+              <a14:hiddenLine xmlns:a14="http://schemas.microsoft.com/office/drawing/2010/main" w="9525">
+                <a:solidFill>
+                  <a:schemeClr val="tx1"/>
+                </a:solidFill>
+                <a:miter lim="800000"/>
+                <a:headEnd/>
+                <a:tailEnd/>
+              </a14:hiddenLine>
+            </a:ext>
+          </a:extLst>
+        </p:spPr>
+      </p:pic>
+      <p:sp>
+        <p:nvSpPr>
+          <p:cNvPr id="18" name="コンテンツ プレースホルダー 2">
+            <a:extLst>
+              <a:ext uri="{FF2B5EF4-FFF2-40B4-BE49-F238E27FC236}">
+                <a16:creationId xmlns:a16="http://schemas.microsoft.com/office/drawing/2014/main" id="{DAD27EF7-7F04-4630-9E87-3B81192D2CF1}"/>
+              </a:ext>
+            </a:extLst>
+          </p:cNvPr>
+          <p:cNvSpPr txBox="1">
+            <a:spLocks/>
+          </p:cNvSpPr>
+          <p:nvPr/>
+        </p:nvSpPr>
+        <p:spPr>
+          <a:xfrm>
+            <a:off x="822959" y="1845734"/>
+            <a:ext cx="7543801" cy="4512536"/>
+          </a:xfrm>
+          <a:prstGeom prst="rect">
+            <a:avLst/>
+          </a:prstGeom>
+        </p:spPr>
+        <p:txBody>
+          <a:bodyPr vert="horz" lIns="0" tIns="45720" rIns="0" bIns="45720" rtlCol="0">
+            <a:normAutofit/>
+          </a:bodyPr>
+          <a:lstStyle>
+            <a:lvl1pPr marL="91440" indent="-91440" algn="l" defTabSz="914400" rtl="0" eaLnBrk="1" latinLnBrk="0" hangingPunct="1">
+              <a:lnSpc>
+                <a:spcPct val="90000"/>
+              </a:lnSpc>
+              <a:spcBef>
+                <a:spcPts val="1200"/>
+              </a:spcBef>
+              <a:spcAft>
+                <a:spcPts val="200"/>
+              </a:spcAft>
+              <a:buClr>
+                <a:schemeClr val="accent1"/>
+              </a:buClr>
+              <a:buSzPct val="100000"/>
+              <a:buFont typeface="Calibri" panose="020F0502020204030204" pitchFamily="34" charset="0"/>
+              <a:buChar char=" "/>
+              <a:defRPr kumimoji="1" sz="2000" kern="1200">
+                <a:solidFill>
+                  <a:schemeClr val="tx1">
+                    <a:lumMod val="75000"/>
+                    <a:lumOff val="25000"/>
+                  </a:schemeClr>
+                </a:solidFill>
+                <a:latin typeface="+mn-lt"/>
+                <a:ea typeface="+mn-ea"/>
+                <a:cs typeface="+mn-cs"/>
+              </a:defRPr>
+            </a:lvl1pPr>
+            <a:lvl2pPr marL="384048" indent="-182880" algn="l" defTabSz="914400" rtl="0" eaLnBrk="1" latinLnBrk="0" hangingPunct="1">
+              <a:lnSpc>
+                <a:spcPct val="90000"/>
+              </a:lnSpc>
+              <a:spcBef>
+                <a:spcPts val="200"/>
+              </a:spcBef>
+              <a:spcAft>
+                <a:spcPts val="400"/>
+              </a:spcAft>
+              <a:buClr>
+                <a:schemeClr val="accent1"/>
+              </a:buClr>
+              <a:buFont typeface="Calibri" pitchFamily="34" charset="0"/>
+              <a:buChar char="◦"/>
+              <a:defRPr kumimoji="1" sz="1800" kern="1200">
+                <a:solidFill>
+                  <a:schemeClr val="tx1">
+                    <a:lumMod val="75000"/>
+                    <a:lumOff val="25000"/>
+                  </a:schemeClr>
+                </a:solidFill>
+                <a:latin typeface="+mn-lt"/>
+                <a:ea typeface="+mn-ea"/>
+                <a:cs typeface="+mn-cs"/>
+              </a:defRPr>
+            </a:lvl2pPr>
+            <a:lvl3pPr marL="566928" indent="-182880" algn="l" defTabSz="914400" rtl="0" eaLnBrk="1" latinLnBrk="0" hangingPunct="1">
+              <a:lnSpc>
+                <a:spcPct val="90000"/>
+              </a:lnSpc>
+              <a:spcBef>
+                <a:spcPts val="200"/>
+              </a:spcBef>
+              <a:spcAft>
+                <a:spcPts val="400"/>
+              </a:spcAft>
+              <a:buClr>
+                <a:schemeClr val="accent1"/>
+              </a:buClr>
+              <a:buFont typeface="Calibri" pitchFamily="34" charset="0"/>
+              <a:buChar char="◦"/>
+              <a:defRPr kumimoji="1" sz="1400" kern="1200">
+                <a:solidFill>
+                  <a:schemeClr val="tx1">
+                    <a:lumMod val="75000"/>
+                    <a:lumOff val="25000"/>
+                  </a:schemeClr>
+                </a:solidFill>
+                <a:latin typeface="+mn-lt"/>
+                <a:ea typeface="+mn-ea"/>
+                <a:cs typeface="+mn-cs"/>
+              </a:defRPr>
+            </a:lvl3pPr>
+            <a:lvl4pPr marL="749808" indent="-182880" algn="l" defTabSz="914400" rtl="0" eaLnBrk="1" latinLnBrk="0" hangingPunct="1">
+              <a:lnSpc>
+                <a:spcPct val="90000"/>
+              </a:lnSpc>
+              <a:spcBef>
+                <a:spcPts val="200"/>
+              </a:spcBef>
+              <a:spcAft>
+                <a:spcPts val="400"/>
+              </a:spcAft>
+              <a:buClr>
+                <a:schemeClr val="accent1"/>
+              </a:buClr>
+              <a:buFont typeface="Calibri" pitchFamily="34" charset="0"/>
+              <a:buChar char="◦"/>
+              <a:defRPr kumimoji="1" sz="1400" kern="1200">
+                <a:solidFill>
+                  <a:schemeClr val="tx1">
+                    <a:lumMod val="75000"/>
+                    <a:lumOff val="25000"/>
+                  </a:schemeClr>
+                </a:solidFill>
+                <a:latin typeface="+mn-lt"/>
+                <a:ea typeface="+mn-ea"/>
+                <a:cs typeface="+mn-cs"/>
+              </a:defRPr>
+            </a:lvl4pPr>
+            <a:lvl5pPr marL="932688" indent="-182880" algn="l" defTabSz="914400" rtl="0" eaLnBrk="1" latinLnBrk="0" hangingPunct="1">
+              <a:lnSpc>
+                <a:spcPct val="90000"/>
+              </a:lnSpc>
+              <a:spcBef>
+                <a:spcPts val="200"/>
+              </a:spcBef>
+              <a:spcAft>
+                <a:spcPts val="400"/>
+              </a:spcAft>
+              <a:buClr>
+                <a:schemeClr val="accent1"/>
+              </a:buClr>
+              <a:buFont typeface="Calibri" pitchFamily="34" charset="0"/>
+              <a:buChar char="◦"/>
+              <a:defRPr kumimoji="1" sz="1400" kern="1200">
+                <a:solidFill>
+                  <a:schemeClr val="tx1">
+                    <a:lumMod val="75000"/>
+                    <a:lumOff val="25000"/>
+                  </a:schemeClr>
+                </a:solidFill>
+                <a:latin typeface="+mn-lt"/>
+                <a:ea typeface="+mn-ea"/>
+                <a:cs typeface="+mn-cs"/>
+              </a:defRPr>
+            </a:lvl5pPr>
+            <a:lvl6pPr marL="1100000" indent="-228600" algn="l" defTabSz="914400" rtl="0" eaLnBrk="1" latinLnBrk="0" hangingPunct="1">
+              <a:lnSpc>
+                <a:spcPct val="90000"/>
+              </a:lnSpc>
+              <a:spcBef>
+                <a:spcPts val="200"/>
+              </a:spcBef>
+              <a:spcAft>
+                <a:spcPts val="400"/>
+              </a:spcAft>
+              <a:buClr>
+                <a:schemeClr val="accent1"/>
+              </a:buClr>
+              <a:buFont typeface="Calibri" pitchFamily="34" charset="0"/>
+              <a:buChar char="◦"/>
+              <a:defRPr kumimoji="1" sz="1400" kern="1200">
+                <a:solidFill>
+                  <a:schemeClr val="tx1">
+                    <a:lumMod val="75000"/>
+                    <a:lumOff val="25000"/>
+                  </a:schemeClr>
+                </a:solidFill>
+                <a:latin typeface="+mn-lt"/>
+                <a:ea typeface="+mn-ea"/>
+                <a:cs typeface="+mn-cs"/>
+              </a:defRPr>
+            </a:lvl6pPr>
+            <a:lvl7pPr marL="1300000" indent="-228600" algn="l" defTabSz="914400" rtl="0" eaLnBrk="1" latinLnBrk="0" hangingPunct="1">
+              <a:lnSpc>
+                <a:spcPct val="90000"/>
+              </a:lnSpc>
+              <a:spcBef>
+                <a:spcPts val="200"/>
+              </a:spcBef>
+              <a:spcAft>
+                <a:spcPts val="400"/>
+              </a:spcAft>
+              <a:buClr>
+                <a:schemeClr val="accent1"/>
+              </a:buClr>
+              <a:buFont typeface="Calibri" pitchFamily="34" charset="0"/>
+              <a:buChar char="◦"/>
+              <a:defRPr kumimoji="1" sz="1400" kern="1200">
+                <a:solidFill>
+                  <a:schemeClr val="tx1">
+                    <a:lumMod val="75000"/>
+                    <a:lumOff val="25000"/>
+                  </a:schemeClr>
+                </a:solidFill>
+                <a:latin typeface="+mn-lt"/>
+                <a:ea typeface="+mn-ea"/>
+                <a:cs typeface="+mn-cs"/>
+              </a:defRPr>
+            </a:lvl7pPr>
+            <a:lvl8pPr marL="1500000" indent="-228600" algn="l" defTabSz="914400" rtl="0" eaLnBrk="1" latinLnBrk="0" hangingPunct="1">
+              <a:lnSpc>
+                <a:spcPct val="90000"/>
+              </a:lnSpc>
+              <a:spcBef>
+                <a:spcPts val="200"/>
+              </a:spcBef>
+              <a:spcAft>
+                <a:spcPts val="400"/>
+              </a:spcAft>
+              <a:buClr>
+                <a:schemeClr val="accent1"/>
+              </a:buClr>
+              <a:buFont typeface="Calibri" pitchFamily="34" charset="0"/>
+              <a:buChar char="◦"/>
+              <a:defRPr kumimoji="1" sz="1400" kern="1200">
+                <a:solidFill>
+                  <a:schemeClr val="tx1">
+                    <a:lumMod val="75000"/>
+                    <a:lumOff val="25000"/>
+                  </a:schemeClr>
+                </a:solidFill>
+                <a:latin typeface="+mn-lt"/>
+                <a:ea typeface="+mn-ea"/>
+                <a:cs typeface="+mn-cs"/>
+              </a:defRPr>
+            </a:lvl8pPr>
+            <a:lvl9pPr marL="1700000" indent="-228600" algn="l" defTabSz="914400" rtl="0" eaLnBrk="1" latinLnBrk="0" hangingPunct="1">
+              <a:lnSpc>
+                <a:spcPct val="90000"/>
+              </a:lnSpc>
+              <a:spcBef>
+                <a:spcPts val="200"/>
+              </a:spcBef>
+              <a:spcAft>
+                <a:spcPts val="400"/>
+              </a:spcAft>
+              <a:buClr>
+                <a:schemeClr val="accent1"/>
+              </a:buClr>
+              <a:buFont typeface="Calibri" pitchFamily="34" charset="0"/>
+              <a:buChar char="◦"/>
+              <a:defRPr kumimoji="1" sz="1400" kern="1200">
+                <a:solidFill>
+                  <a:schemeClr val="tx1">
+                    <a:lumMod val="75000"/>
+                    <a:lumOff val="25000"/>
+                  </a:schemeClr>
+                </a:solidFill>
+                <a:latin typeface="+mn-lt"/>
+                <a:ea typeface="+mn-ea"/>
+                <a:cs typeface="+mn-cs"/>
+              </a:defRPr>
+            </a:lvl9pPr>
+          </a:lstStyle>
+          <a:p>
+            <a:r>
+              <a:rPr lang="en-US" altLang="ja-JP" b="1"/>
+              <a:t>&lt;Screen&gt;</a:t>
+            </a:r>
+          </a:p>
+          <a:p>
+            <a:endParaRPr lang="en-US" altLang="ja-JP" dirty="0"/>
+          </a:p>
+        </p:txBody>
+      </p:sp>
+      <p:sp>
+        <p:nvSpPr>
+          <p:cNvPr id="19" name="正方形/長方形 18">
+            <a:extLst>
+              <a:ext uri="{FF2B5EF4-FFF2-40B4-BE49-F238E27FC236}">
+                <a16:creationId xmlns:a16="http://schemas.microsoft.com/office/drawing/2014/main" id="{4AB37DAD-C856-43B8-A398-8017F9144810}"/>
+              </a:ext>
+            </a:extLst>
+          </p:cNvPr>
+          <p:cNvSpPr/>
+          <p:nvPr/>
+        </p:nvSpPr>
+        <p:spPr>
+          <a:xfrm>
+            <a:off x="3809995" y="2788170"/>
+            <a:ext cx="432221" cy="239843"/>
+          </a:xfrm>
+          <a:prstGeom prst="rect">
+            <a:avLst/>
+          </a:prstGeom>
+          <a:noFill/>
+          <a:ln w="38100">
+            <a:solidFill>
+              <a:schemeClr val="accent1"/>
+            </a:solidFill>
+          </a:ln>
+        </p:spPr>
+        <p:style>
+          <a:lnRef idx="2">
+            <a:schemeClr val="accent1">
+              <a:shade val="50000"/>
+            </a:schemeClr>
+          </a:lnRef>
+          <a:fillRef idx="1">
+            <a:schemeClr val="accent1"/>
+          </a:fillRef>
+          <a:effectRef idx="0">
+            <a:schemeClr val="accent1"/>
+          </a:effectRef>
+          <a:fontRef idx="minor">
+            <a:schemeClr val="lt1"/>
+          </a:fontRef>
+        </p:style>
+        <p:txBody>
+          <a:bodyPr rtlCol="0" anchor="ctr"/>
+          <a:lstStyle/>
+          <a:p>
+            <a:pPr algn="ctr"/>
+            <a:endParaRPr kumimoji="1" lang="ja-JP" altLang="en-US">
+              <a:solidFill>
+                <a:schemeClr val="accent1"/>
+              </a:solidFill>
+            </a:endParaRPr>
+          </a:p>
+        </p:txBody>
+      </p:sp>
+      <p:sp>
+        <p:nvSpPr>
+          <p:cNvPr id="20" name="テキスト ボックス 19">
+            <a:extLst>
+              <a:ext uri="{FF2B5EF4-FFF2-40B4-BE49-F238E27FC236}">
+                <a16:creationId xmlns:a16="http://schemas.microsoft.com/office/drawing/2014/main" id="{052638E3-13A7-465E-8E87-6313D32E2150}"/>
+              </a:ext>
+            </a:extLst>
+          </p:cNvPr>
+          <p:cNvSpPr txBox="1"/>
+          <p:nvPr/>
+        </p:nvSpPr>
+        <p:spPr>
+          <a:xfrm>
+            <a:off x="1049310" y="3720272"/>
+            <a:ext cx="4733478" cy="338554"/>
+          </a:xfrm>
+          <a:prstGeom prst="rect">
+            <a:avLst/>
+          </a:prstGeom>
+          <a:noFill/>
+          <a:ln>
+            <a:noFill/>
+          </a:ln>
+        </p:spPr>
+        <p:txBody>
+          <a:bodyPr wrap="square" rtlCol="0">
+            <a:spAutoFit/>
+          </a:bodyPr>
+          <a:lstStyle/>
+          <a:p>
+            <a:pPr algn="ctr"/>
+            <a:r>
+              <a:rPr kumimoji="1" lang="en-US" altLang="ja-JP" sz="1600" b="1" dirty="0">
+                <a:solidFill>
+                  <a:schemeClr val="accent1"/>
+                </a:solidFill>
+              </a:rPr>
+              <a:t>Editor</a:t>
+            </a:r>
+            <a:r>
+              <a:rPr kumimoji="1" lang="ja-JP" altLang="en-US" sz="1600" b="1" dirty="0">
+                <a:solidFill>
+                  <a:schemeClr val="accent1"/>
+                </a:solidFill>
+              </a:rPr>
+              <a:t> </a:t>
+            </a:r>
+            <a:r>
+              <a:rPr kumimoji="1" lang="en-US" altLang="ja-JP" sz="1600" b="1" dirty="0">
+                <a:solidFill>
+                  <a:schemeClr val="accent1"/>
+                </a:solidFill>
+              </a:rPr>
+              <a:t>Screen: where you write a code</a:t>
+            </a:r>
+            <a:r>
+              <a:rPr kumimoji="1" lang="ja-JP" altLang="en-US" sz="1600" b="1" dirty="0">
+                <a:solidFill>
+                  <a:schemeClr val="accent1"/>
+                </a:solidFill>
+              </a:rPr>
+              <a:t> </a:t>
+            </a:r>
+          </a:p>
+        </p:txBody>
+      </p:sp>
+      <p:sp>
+        <p:nvSpPr>
+          <p:cNvPr id="21" name="正方形/長方形 20">
+            <a:extLst>
+              <a:ext uri="{FF2B5EF4-FFF2-40B4-BE49-F238E27FC236}">
+                <a16:creationId xmlns:a16="http://schemas.microsoft.com/office/drawing/2014/main" id="{C557F22C-6B4D-4FC2-9A73-49F919709BC3}"/>
+              </a:ext>
+            </a:extLst>
+          </p:cNvPr>
+          <p:cNvSpPr/>
+          <p:nvPr/>
+        </p:nvSpPr>
+        <p:spPr>
+          <a:xfrm>
+            <a:off x="1049311" y="3028014"/>
+            <a:ext cx="4706912" cy="1753848"/>
+          </a:xfrm>
+          <a:prstGeom prst="rect">
+            <a:avLst/>
+          </a:prstGeom>
+          <a:noFill/>
+          <a:ln w="38100">
+            <a:solidFill>
+              <a:schemeClr val="accent1"/>
+            </a:solidFill>
+          </a:ln>
+        </p:spPr>
+        <p:style>
+          <a:lnRef idx="2">
+            <a:schemeClr val="accent1">
+              <a:shade val="50000"/>
+            </a:schemeClr>
+          </a:lnRef>
+          <a:fillRef idx="1">
+            <a:schemeClr val="accent1"/>
+          </a:fillRef>
+          <a:effectRef idx="0">
+            <a:schemeClr val="accent1"/>
+          </a:effectRef>
+          <a:fontRef idx="minor">
+            <a:schemeClr val="lt1"/>
+          </a:fontRef>
+        </p:style>
+        <p:txBody>
+          <a:bodyPr rtlCol="0" anchor="ctr"/>
+          <a:lstStyle/>
+          <a:p>
+            <a:pPr algn="ctr"/>
+            <a:endParaRPr kumimoji="1" lang="ja-JP" altLang="en-US">
+              <a:solidFill>
+                <a:schemeClr val="accent1"/>
+              </a:solidFill>
+            </a:endParaRPr>
+          </a:p>
+        </p:txBody>
+      </p:sp>
+      <p:sp>
+        <p:nvSpPr>
+          <p:cNvPr id="22" name="正方形/長方形 21">
+            <a:extLst>
+              <a:ext uri="{FF2B5EF4-FFF2-40B4-BE49-F238E27FC236}">
+                <a16:creationId xmlns:a16="http://schemas.microsoft.com/office/drawing/2014/main" id="{CD6D4F8E-5A2E-4A67-984F-8558E48A08ED}"/>
+              </a:ext>
+            </a:extLst>
+          </p:cNvPr>
+          <p:cNvSpPr/>
+          <p:nvPr/>
+        </p:nvSpPr>
+        <p:spPr>
+          <a:xfrm>
+            <a:off x="1049311" y="4981251"/>
+            <a:ext cx="4706912" cy="1102453"/>
+          </a:xfrm>
+          <a:prstGeom prst="rect">
+            <a:avLst/>
+          </a:prstGeom>
+          <a:noFill/>
+          <a:ln w="38100">
+            <a:solidFill>
+              <a:schemeClr val="accent1"/>
+            </a:solidFill>
+          </a:ln>
+        </p:spPr>
+        <p:style>
+          <a:lnRef idx="2">
+            <a:schemeClr val="accent1">
+              <a:shade val="50000"/>
+            </a:schemeClr>
+          </a:lnRef>
+          <a:fillRef idx="1">
+            <a:schemeClr val="accent1"/>
+          </a:fillRef>
+          <a:effectRef idx="0">
+            <a:schemeClr val="accent1"/>
+          </a:effectRef>
+          <a:fontRef idx="minor">
+            <a:schemeClr val="lt1"/>
+          </a:fontRef>
+        </p:style>
+        <p:txBody>
+          <a:bodyPr rtlCol="0" anchor="ctr"/>
+          <a:lstStyle/>
+          <a:p>
+            <a:pPr algn="ctr"/>
+            <a:endParaRPr kumimoji="1" lang="ja-JP" altLang="en-US">
+              <a:solidFill>
+                <a:schemeClr val="accent1"/>
+              </a:solidFill>
+            </a:endParaRPr>
+          </a:p>
+        </p:txBody>
+      </p:sp>
+      <p:sp>
+        <p:nvSpPr>
+          <p:cNvPr id="23" name="正方形/長方形 22">
+            <a:extLst>
+              <a:ext uri="{FF2B5EF4-FFF2-40B4-BE49-F238E27FC236}">
+                <a16:creationId xmlns:a16="http://schemas.microsoft.com/office/drawing/2014/main" id="{88BE96F4-30E8-4983-94BD-7428DFC9A754}"/>
+              </a:ext>
+            </a:extLst>
+          </p:cNvPr>
+          <p:cNvSpPr/>
+          <p:nvPr/>
+        </p:nvSpPr>
+        <p:spPr>
+          <a:xfrm>
+            <a:off x="5782790" y="3028014"/>
+            <a:ext cx="2557339" cy="1753848"/>
+          </a:xfrm>
+          <a:prstGeom prst="rect">
+            <a:avLst/>
+          </a:prstGeom>
+          <a:noFill/>
+          <a:ln w="38100">
+            <a:solidFill>
+              <a:schemeClr val="accent1"/>
+            </a:solidFill>
+          </a:ln>
+        </p:spPr>
+        <p:style>
+          <a:lnRef idx="2">
+            <a:schemeClr val="accent1">
+              <a:shade val="50000"/>
+            </a:schemeClr>
+          </a:lnRef>
+          <a:fillRef idx="1">
+            <a:schemeClr val="accent1"/>
+          </a:fillRef>
+          <a:effectRef idx="0">
+            <a:schemeClr val="accent1"/>
+          </a:effectRef>
+          <a:fontRef idx="minor">
+            <a:schemeClr val="lt1"/>
+          </a:fontRef>
+        </p:style>
+        <p:txBody>
+          <a:bodyPr rtlCol="0" anchor="ctr"/>
+          <a:lstStyle/>
+          <a:p>
+            <a:pPr algn="ctr"/>
+            <a:endParaRPr kumimoji="1" lang="ja-JP" altLang="en-US">
+              <a:solidFill>
+                <a:schemeClr val="accent1"/>
+              </a:solidFill>
+            </a:endParaRPr>
+          </a:p>
+        </p:txBody>
+      </p:sp>
+      <p:sp>
+        <p:nvSpPr>
+          <p:cNvPr id="24" name="正方形/長方形 23">
+            <a:extLst>
+              <a:ext uri="{FF2B5EF4-FFF2-40B4-BE49-F238E27FC236}">
+                <a16:creationId xmlns:a16="http://schemas.microsoft.com/office/drawing/2014/main" id="{F31DAA0C-05F7-4492-B682-422973369070}"/>
+              </a:ext>
+            </a:extLst>
+          </p:cNvPr>
+          <p:cNvSpPr/>
+          <p:nvPr/>
+        </p:nvSpPr>
+        <p:spPr>
+          <a:xfrm>
+            <a:off x="6009205" y="5148038"/>
+            <a:ext cx="2606011" cy="959908"/>
+          </a:xfrm>
+          <a:prstGeom prst="rect">
+            <a:avLst/>
+          </a:prstGeom>
+          <a:noFill/>
+          <a:ln w="38100">
+            <a:solidFill>
+              <a:schemeClr val="accent1"/>
+            </a:solidFill>
+          </a:ln>
+        </p:spPr>
+        <p:style>
+          <a:lnRef idx="2">
+            <a:schemeClr val="accent1">
+              <a:shade val="50000"/>
+            </a:schemeClr>
+          </a:lnRef>
+          <a:fillRef idx="1">
+            <a:schemeClr val="accent1"/>
+          </a:fillRef>
+          <a:effectRef idx="0">
+            <a:schemeClr val="accent1"/>
+          </a:effectRef>
+          <a:fontRef idx="minor">
+            <a:schemeClr val="lt1"/>
+          </a:fontRef>
+        </p:style>
+        <p:txBody>
+          <a:bodyPr rtlCol="0" anchor="ctr"/>
+          <a:lstStyle/>
+          <a:p>
+            <a:pPr algn="ctr"/>
+            <a:endParaRPr kumimoji="1" lang="ja-JP" altLang="en-US">
+              <a:solidFill>
+                <a:schemeClr val="accent1"/>
+              </a:solidFill>
+            </a:endParaRPr>
+          </a:p>
+        </p:txBody>
+      </p:sp>
+      <p:sp>
+        <p:nvSpPr>
+          <p:cNvPr id="25" name="テキスト ボックス 24">
+            <a:extLst>
+              <a:ext uri="{FF2B5EF4-FFF2-40B4-BE49-F238E27FC236}">
+                <a16:creationId xmlns:a16="http://schemas.microsoft.com/office/drawing/2014/main" id="{B6E0172B-BE45-4A4C-9D47-A6B53A56D2D8}"/>
+              </a:ext>
+            </a:extLst>
+          </p:cNvPr>
+          <p:cNvSpPr txBox="1"/>
+          <p:nvPr/>
+        </p:nvSpPr>
+        <p:spPr>
+          <a:xfrm>
+            <a:off x="1049308" y="5466960"/>
+            <a:ext cx="4706913" cy="338554"/>
+          </a:xfrm>
+          <a:prstGeom prst="rect">
+            <a:avLst/>
+          </a:prstGeom>
+          <a:noFill/>
+          <a:ln>
+            <a:noFill/>
+          </a:ln>
+        </p:spPr>
+        <p:txBody>
+          <a:bodyPr wrap="square" rtlCol="0">
+            <a:spAutoFit/>
+          </a:bodyPr>
+          <a:lstStyle/>
+          <a:p>
+            <a:pPr algn="ctr"/>
+            <a:r>
+              <a:rPr kumimoji="1" lang="en-US" altLang="ja-JP" sz="1600" b="1" dirty="0">
+                <a:solidFill>
+                  <a:schemeClr val="accent1"/>
+                </a:solidFill>
+              </a:rPr>
+              <a:t>Output</a:t>
+            </a:r>
+            <a:r>
+              <a:rPr kumimoji="1" lang="ja-JP" altLang="en-US" sz="1600" b="1" dirty="0">
+                <a:solidFill>
+                  <a:schemeClr val="accent1"/>
+                </a:solidFill>
+              </a:rPr>
+              <a:t> </a:t>
+            </a:r>
+            <a:r>
+              <a:rPr kumimoji="1" lang="en-US" altLang="ja-JP" sz="1600" b="1" dirty="0">
+                <a:solidFill>
+                  <a:schemeClr val="accent1"/>
+                </a:solidFill>
+              </a:rPr>
+              <a:t>Screen:</a:t>
+            </a:r>
+            <a:r>
+              <a:rPr kumimoji="1" lang="ja-JP" altLang="en-US" sz="1600" b="1" dirty="0">
+                <a:solidFill>
+                  <a:schemeClr val="accent1"/>
+                </a:solidFill>
+              </a:rPr>
+              <a:t> </a:t>
+            </a:r>
+            <a:r>
+              <a:rPr kumimoji="1" lang="en-US" altLang="ja-JP" sz="1600" b="1" dirty="0">
+                <a:solidFill>
+                  <a:schemeClr val="accent1"/>
+                </a:solidFill>
+              </a:rPr>
+              <a:t>Errors and Messages are displayed</a:t>
+            </a:r>
+            <a:endParaRPr kumimoji="1" lang="ja-JP" altLang="en-US" sz="1600" b="1" dirty="0">
+              <a:solidFill>
+                <a:schemeClr val="accent1"/>
+              </a:solidFill>
+            </a:endParaRPr>
+          </a:p>
+        </p:txBody>
+      </p:sp>
+      <p:sp>
+        <p:nvSpPr>
+          <p:cNvPr id="26" name="テキスト ボックス 25">
+            <a:extLst>
+              <a:ext uri="{FF2B5EF4-FFF2-40B4-BE49-F238E27FC236}">
+                <a16:creationId xmlns:a16="http://schemas.microsoft.com/office/drawing/2014/main" id="{1A55637F-92CF-44FA-9AD6-E9FE69F309D4}"/>
+              </a:ext>
+            </a:extLst>
+          </p:cNvPr>
+          <p:cNvSpPr txBox="1"/>
+          <p:nvPr/>
+        </p:nvSpPr>
+        <p:spPr>
+          <a:xfrm>
+            <a:off x="5756221" y="4088630"/>
+            <a:ext cx="2663673" cy="584775"/>
+          </a:xfrm>
+          <a:prstGeom prst="rect">
+            <a:avLst/>
+          </a:prstGeom>
+          <a:noFill/>
+          <a:ln>
+            <a:noFill/>
+          </a:ln>
+        </p:spPr>
+        <p:txBody>
+          <a:bodyPr wrap="square" rtlCol="0">
+            <a:spAutoFit/>
+          </a:bodyPr>
+          <a:lstStyle/>
+          <a:p>
+            <a:pPr algn="ctr"/>
+            <a:r>
+              <a:rPr kumimoji="1" lang="en-US" altLang="ja-JP" sz="1600" b="1" dirty="0">
+                <a:solidFill>
+                  <a:schemeClr val="accent1"/>
+                </a:solidFill>
+              </a:rPr>
+              <a:t>Solution Explorer:</a:t>
+            </a:r>
+          </a:p>
+          <a:p>
+            <a:pPr algn="ctr"/>
+            <a:r>
+              <a:rPr kumimoji="1" lang="en-US" altLang="ja-JP" sz="1600" b="1" dirty="0">
+                <a:solidFill>
+                  <a:schemeClr val="accent1"/>
+                </a:solidFill>
+              </a:rPr>
+              <a:t>You can add source files</a:t>
+            </a:r>
+            <a:endParaRPr kumimoji="1" lang="ja-JP" altLang="en-US" sz="1600" b="1" dirty="0">
+              <a:solidFill>
+                <a:schemeClr val="accent1"/>
+              </a:solidFill>
+            </a:endParaRPr>
+          </a:p>
+        </p:txBody>
+      </p:sp>
+      <p:sp>
+        <p:nvSpPr>
+          <p:cNvPr id="27" name="テキスト ボックス 26">
+            <a:extLst>
+              <a:ext uri="{FF2B5EF4-FFF2-40B4-BE49-F238E27FC236}">
+                <a16:creationId xmlns:a16="http://schemas.microsoft.com/office/drawing/2014/main" id="{75583B98-EC65-4D6A-9DCC-09F599CFB49C}"/>
+              </a:ext>
+            </a:extLst>
+          </p:cNvPr>
+          <p:cNvSpPr txBox="1"/>
+          <p:nvPr/>
+        </p:nvSpPr>
+        <p:spPr>
+          <a:xfrm>
+            <a:off x="5993658" y="5503781"/>
+            <a:ext cx="2825877" cy="338554"/>
+          </a:xfrm>
+          <a:prstGeom prst="rect">
+            <a:avLst/>
+          </a:prstGeom>
+          <a:noFill/>
+          <a:ln>
+            <a:noFill/>
+          </a:ln>
+        </p:spPr>
+        <p:txBody>
+          <a:bodyPr wrap="square" rtlCol="0">
+            <a:spAutoFit/>
+          </a:bodyPr>
+          <a:lstStyle/>
+          <a:p>
+            <a:pPr algn="ctr"/>
+            <a:r>
+              <a:rPr kumimoji="1" lang="en-US" altLang="ja-JP" sz="1600" b="1" dirty="0">
+                <a:solidFill>
+                  <a:schemeClr val="accent1"/>
+                </a:solidFill>
+              </a:rPr>
+              <a:t>Execution Result</a:t>
+            </a:r>
+            <a:endParaRPr kumimoji="1" lang="ja-JP" altLang="en-US" sz="1600" b="1" dirty="0">
+              <a:solidFill>
+                <a:schemeClr val="accent1"/>
+              </a:solidFill>
+            </a:endParaRPr>
+          </a:p>
+        </p:txBody>
+      </p:sp>
+      <p:sp>
+        <p:nvSpPr>
+          <p:cNvPr id="28" name="テキスト ボックス 27">
+            <a:extLst>
+              <a:ext uri="{FF2B5EF4-FFF2-40B4-BE49-F238E27FC236}">
+                <a16:creationId xmlns:a16="http://schemas.microsoft.com/office/drawing/2014/main" id="{6739E525-743F-42AF-8060-7025D6606DC3}"/>
+              </a:ext>
+            </a:extLst>
+          </p:cNvPr>
+          <p:cNvSpPr txBox="1"/>
+          <p:nvPr/>
+        </p:nvSpPr>
+        <p:spPr>
+          <a:xfrm>
+            <a:off x="2983042" y="2386036"/>
+            <a:ext cx="2086126" cy="338554"/>
+          </a:xfrm>
+          <a:prstGeom prst="rect">
+            <a:avLst/>
+          </a:prstGeom>
+          <a:solidFill>
+            <a:schemeClr val="tx1">
+              <a:lumMod val="75000"/>
+              <a:lumOff val="25000"/>
+            </a:schemeClr>
+          </a:solidFill>
+          <a:ln>
+            <a:noFill/>
+          </a:ln>
+        </p:spPr>
+        <p:txBody>
+          <a:bodyPr wrap="square" rtlCol="0">
+            <a:spAutoFit/>
+          </a:bodyPr>
+          <a:lstStyle/>
+          <a:p>
+            <a:pPr algn="ctr"/>
+            <a:r>
+              <a:rPr kumimoji="1" lang="en-US" altLang="ja-JP" sz="1600" b="1" dirty="0">
+                <a:solidFill>
+                  <a:schemeClr val="accent1"/>
+                </a:solidFill>
+              </a:rPr>
+              <a:t>Execute Project here</a:t>
+            </a:r>
+            <a:endParaRPr kumimoji="1" lang="ja-JP" altLang="en-US" sz="1600" b="1" dirty="0">
+              <a:solidFill>
+                <a:schemeClr val="accent1"/>
+              </a:solidFill>
+            </a:endParaRPr>
+          </a:p>
+        </p:txBody>
+      </p:sp>
+    </p:spTree>
+    <p:extLst>
+      <p:ext uri="{BB962C8B-B14F-4D97-AF65-F5344CB8AC3E}">
+        <p14:creationId xmlns:p14="http://schemas.microsoft.com/office/powerpoint/2010/main" val="929463113"/>
+      </p:ext>
+    </p:extLst>
+  </p:cSld>
+  <p:clrMapOvr>
+    <a:masterClrMapping/>
+  </p:clrMapOvr>
+</p:sld>
+</file>
+
+<file path=ppt/slides/slide12.xml><?xml version="1.0" encoding="utf-8"?>
+<p:sld xmlns:a="http://schemas.openxmlformats.org/drawingml/2006/main" xmlns:r="http://schemas.openxmlformats.org/officeDocument/2006/relationships" xmlns:p="http://schemas.openxmlformats.org/presentationml/2006/main">
+  <p:cSld>
+    <p:spTree>
+      <p:nvGrpSpPr>
+        <p:cNvPr id="1" name=""/>
+        <p:cNvGrpSpPr/>
+        <p:nvPr/>
+      </p:nvGrpSpPr>
+      <p:grpSpPr>
+        <a:xfrm>
+          <a:off x="0" y="0"/>
+          <a:ext cx="0" cy="0"/>
+          <a:chOff x="0" y="0"/>
+          <a:chExt cx="0" cy="0"/>
+        </a:xfrm>
+      </p:grpSpPr>
+      <p:sp>
+        <p:nvSpPr>
+          <p:cNvPr id="2" name="タイトル 1">
+            <a:extLst>
+              <a:ext uri="{FF2B5EF4-FFF2-40B4-BE49-F238E27FC236}">
+                <a16:creationId xmlns:a16="http://schemas.microsoft.com/office/drawing/2014/main" id="{50AD2649-E38C-4EB3-BD31-1B4D2D45D935}"/>
+              </a:ext>
+            </a:extLst>
+          </p:cNvPr>
+          <p:cNvSpPr>
+            <a:spLocks noGrp="1"/>
+          </p:cNvSpPr>
+          <p:nvPr>
+            <p:ph type="title"/>
+          </p:nvPr>
+        </p:nvSpPr>
+        <p:spPr/>
+        <p:txBody>
+          <a:bodyPr/>
+          <a:lstStyle/>
+          <a:p>
+            <a:r>
+              <a:rPr kumimoji="1" lang="en-US" altLang="ja-JP" b="1" dirty="0"/>
+              <a:t>7. How to use VS </a:t>
+            </a:r>
+            <a:r>
+              <a:rPr kumimoji="1" lang="ja-JP" altLang="en-US" b="1" dirty="0"/>
+              <a:t>③</a:t>
+            </a:r>
+          </a:p>
+        </p:txBody>
+      </p:sp>
+      <p:sp>
+        <p:nvSpPr>
+          <p:cNvPr id="3" name="コンテンツ プレースホルダー 2">
+            <a:extLst>
+              <a:ext uri="{FF2B5EF4-FFF2-40B4-BE49-F238E27FC236}">
+                <a16:creationId xmlns:a16="http://schemas.microsoft.com/office/drawing/2014/main" id="{837241A7-9163-429D-8197-040A455DA097}"/>
+              </a:ext>
+            </a:extLst>
+          </p:cNvPr>
+          <p:cNvSpPr>
+            <a:spLocks noGrp="1"/>
+          </p:cNvSpPr>
+          <p:nvPr>
+            <p:ph idx="1"/>
+          </p:nvPr>
+        </p:nvSpPr>
+        <p:spPr>
+          <a:xfrm>
+            <a:off x="822959" y="1845734"/>
+            <a:ext cx="7543801" cy="4529666"/>
+          </a:xfrm>
+        </p:spPr>
+        <p:txBody>
+          <a:bodyPr>
+            <a:normAutofit fontScale="92500" lnSpcReduction="10000"/>
+          </a:bodyPr>
+          <a:lstStyle/>
+          <a:p>
+            <a:pPr marL="0" indent="0">
+              <a:buNone/>
+            </a:pPr>
+            <a:r>
+              <a:rPr lang="en-US" altLang="ja-JP" b="1" dirty="0"/>
+              <a:t>&lt;How to open the solution which you saved&gt;</a:t>
+            </a:r>
+            <a:endParaRPr kumimoji="1" lang="en-US" altLang="ja-JP" b="1" dirty="0"/>
+          </a:p>
+          <a:p>
+            <a:pPr marL="0" indent="0">
+              <a:buNone/>
+            </a:pPr>
+            <a:r>
+              <a:rPr kumimoji="1" lang="ja-JP" altLang="en-US" dirty="0"/>
+              <a:t>　</a:t>
+            </a:r>
+            <a:r>
+              <a:rPr kumimoji="1" lang="en-US" altLang="ja-JP" dirty="0"/>
+              <a:t>Open .</a:t>
+            </a:r>
+            <a:r>
+              <a:rPr kumimoji="1" lang="en-US" altLang="ja-JP" dirty="0" err="1"/>
+              <a:t>sln</a:t>
+            </a:r>
+            <a:r>
+              <a:rPr kumimoji="1" lang="en-US" altLang="ja-JP" dirty="0"/>
+              <a:t> file in the directory to save</a:t>
+            </a:r>
+          </a:p>
+          <a:p>
+            <a:pPr marL="0" indent="0">
+              <a:buNone/>
+            </a:pPr>
+            <a:r>
+              <a:rPr lang="en-US" altLang="ja-JP" b="1" dirty="0"/>
+              <a:t>&lt;The difference between solution and project&gt;</a:t>
+            </a:r>
+          </a:p>
+          <a:p>
+            <a:pPr marL="0" indent="0">
+              <a:buNone/>
+            </a:pPr>
+            <a:r>
+              <a:rPr lang="ja-JP" altLang="en-US" dirty="0"/>
+              <a:t>　</a:t>
+            </a:r>
+            <a:r>
+              <a:rPr lang="en-US" altLang="ja-JP" dirty="0"/>
+              <a:t>One software is consist of projects (ex. .exe and .</a:t>
+            </a:r>
+            <a:r>
+              <a:rPr lang="en-US" altLang="ja-JP" dirty="0" err="1"/>
+              <a:t>dll</a:t>
+            </a:r>
+            <a:r>
+              <a:rPr lang="en-US" altLang="ja-JP" dirty="0"/>
+              <a:t> files)</a:t>
+            </a:r>
+          </a:p>
+          <a:p>
+            <a:pPr marL="0" indent="0">
+              <a:buNone/>
+            </a:pPr>
+            <a:r>
+              <a:rPr kumimoji="1" lang="ja-JP" altLang="en-US" dirty="0"/>
+              <a:t>　</a:t>
+            </a:r>
+            <a:r>
+              <a:rPr kumimoji="1" lang="en-US" altLang="ja-JP" b="1" dirty="0"/>
+              <a:t>Project</a:t>
+            </a:r>
+            <a:r>
+              <a:rPr kumimoji="1" lang="en-US" altLang="ja-JP" dirty="0"/>
+              <a:t>: one project is needed to create one program</a:t>
+            </a:r>
+          </a:p>
+          <a:p>
+            <a:pPr marL="0" indent="0">
+              <a:buNone/>
+            </a:pPr>
+            <a:r>
+              <a:rPr kumimoji="1" lang="ja-JP" altLang="en-US" dirty="0"/>
+              <a:t>　</a:t>
+            </a:r>
+            <a:r>
+              <a:rPr kumimoji="1" lang="en-US" altLang="ja-JP" b="1" dirty="0"/>
+              <a:t>Solution</a:t>
+            </a:r>
+            <a:r>
+              <a:rPr kumimoji="1" lang="en-US" altLang="ja-JP" dirty="0"/>
+              <a:t>: Container to combine and manage projects to create </a:t>
+            </a:r>
+          </a:p>
+          <a:p>
+            <a:pPr marL="0" indent="0">
+              <a:buNone/>
+            </a:pPr>
+            <a:r>
+              <a:rPr lang="en-US" altLang="ja-JP" dirty="0"/>
+              <a:t>                   </a:t>
+            </a:r>
+            <a:r>
+              <a:rPr kumimoji="1" lang="en-US" altLang="ja-JP" dirty="0"/>
+              <a:t>one software</a:t>
+            </a:r>
+          </a:p>
+          <a:p>
+            <a:pPr marL="0" indent="0">
+              <a:buNone/>
+            </a:pPr>
+            <a:r>
+              <a:rPr kumimoji="1" lang="ja-JP" altLang="en-US" dirty="0"/>
+              <a:t>　</a:t>
+            </a:r>
+            <a:r>
+              <a:rPr kumimoji="1" lang="en-US" altLang="ja-JP" u="sng" dirty="0"/>
+              <a:t>※You don’t have to care th</a:t>
+            </a:r>
+            <a:r>
+              <a:rPr lang="en-US" altLang="ja-JP" u="sng" dirty="0"/>
+              <a:t>e difference so much </a:t>
+            </a:r>
+            <a:r>
+              <a:rPr kumimoji="1" lang="en-US" altLang="ja-JP" u="sng" dirty="0"/>
+              <a:t>in out lab</a:t>
+            </a:r>
+          </a:p>
+          <a:p>
+            <a:pPr marL="0" indent="0">
+              <a:buNone/>
+            </a:pPr>
+            <a:r>
+              <a:rPr kumimoji="1" lang="ja-JP" altLang="en-US" dirty="0"/>
+              <a:t>　　　</a:t>
+            </a:r>
+            <a:r>
+              <a:rPr kumimoji="1" lang="en-US" altLang="ja-JP" dirty="0"/>
+              <a:t>If you uncheck [Create the directory of solution]</a:t>
+            </a:r>
+            <a:r>
+              <a:rPr lang="ja-JP" altLang="en-US" dirty="0"/>
+              <a:t> </a:t>
+            </a:r>
+            <a:r>
+              <a:rPr lang="en-US" altLang="ja-JP" dirty="0"/>
+              <a:t>at </a:t>
+            </a:r>
+          </a:p>
+          <a:p>
+            <a:pPr marL="0" indent="0">
+              <a:buNone/>
+            </a:pPr>
+            <a:r>
+              <a:rPr lang="ja-JP" altLang="en-US" dirty="0"/>
+              <a:t>　　　</a:t>
+            </a:r>
+            <a:r>
+              <a:rPr lang="en-US" altLang="ja-JP" dirty="0"/>
+              <a:t>[New Project] dialogue,</a:t>
+            </a:r>
+            <a:r>
+              <a:rPr lang="ja-JP" altLang="en-US" dirty="0"/>
+              <a:t> </a:t>
+            </a:r>
+            <a:r>
+              <a:rPr lang="en-US" altLang="ja-JP" dirty="0"/>
+              <a:t>two folders will be integrated</a:t>
+            </a:r>
+          </a:p>
+          <a:p>
+            <a:pPr marL="0" indent="0">
+              <a:buNone/>
+            </a:pPr>
+            <a:r>
+              <a:rPr lang="ja-JP" altLang="en-US" dirty="0"/>
+              <a:t>　　</a:t>
+            </a:r>
+            <a:endParaRPr kumimoji="1" lang="en-US" altLang="ja-JP" dirty="0"/>
+          </a:p>
+        </p:txBody>
+      </p:sp>
+      <p:pic>
+        <p:nvPicPr>
+          <p:cNvPr id="4" name="Picture 3" descr="C:\Users\kamiya\Desktop\CropperCapture[7].bmp">
+            <a:extLst>
+              <a:ext uri="{FF2B5EF4-FFF2-40B4-BE49-F238E27FC236}">
+                <a16:creationId xmlns:a16="http://schemas.microsoft.com/office/drawing/2014/main" id="{D68CCE0B-6413-4E4B-BF2F-D7D1EC3C45E2}"/>
+              </a:ext>
+            </a:extLst>
+          </p:cNvPr>
+          <p:cNvPicPr>
+            <a:picLocks noChangeAspect="1" noChangeArrowheads="1"/>
+          </p:cNvPicPr>
+          <p:nvPr/>
+        </p:nvPicPr>
+        <p:blipFill>
+          <a:blip r:embed="rId2">
+            <a:extLst>
+              <a:ext uri="{28A0092B-C50C-407E-A947-70E740481C1C}">
+                <a14:useLocalDpi xmlns:a14="http://schemas.microsoft.com/office/drawing/2010/main" val="0"/>
+              </a:ext>
+            </a:extLst>
+          </a:blip>
+          <a:srcRect/>
+          <a:stretch>
+            <a:fillRect/>
+          </a:stretch>
+        </p:blipFill>
+        <p:spPr bwMode="auto">
+          <a:xfrm>
+            <a:off x="5888942" y="1963678"/>
+            <a:ext cx="1038225" cy="1019175"/>
+          </a:xfrm>
+          <a:prstGeom prst="rect">
+            <a:avLst/>
+          </a:prstGeom>
+          <a:noFill/>
+          <a:extLst>
+            <a:ext uri="{909E8E84-426E-40DD-AFC4-6F175D3DCCD1}">
+              <a14:hiddenFill xmlns:a14="http://schemas.microsoft.com/office/drawing/2010/main">
+                <a:solidFill>
+                  <a:srgbClr val="FFFFFF"/>
+                </a:solidFill>
+              </a14:hiddenFill>
+            </a:ext>
+          </a:extLst>
+        </p:spPr>
+      </p:pic>
+      <p:sp>
+        <p:nvSpPr>
+          <p:cNvPr id="5" name="テキスト ボックス 4">
+            <a:extLst>
+              <a:ext uri="{FF2B5EF4-FFF2-40B4-BE49-F238E27FC236}">
+                <a16:creationId xmlns:a16="http://schemas.microsoft.com/office/drawing/2014/main" id="{6CED0FDF-1E08-4B75-A02B-BA6F35888A60}"/>
+              </a:ext>
+            </a:extLst>
+          </p:cNvPr>
+          <p:cNvSpPr txBox="1"/>
+          <p:nvPr/>
+        </p:nvSpPr>
+        <p:spPr>
+          <a:xfrm>
+            <a:off x="7214477" y="2762172"/>
+            <a:ext cx="1435008" cy="369332"/>
+          </a:xfrm>
+          <a:prstGeom prst="rect">
+            <a:avLst/>
+          </a:prstGeom>
+          <a:noFill/>
+        </p:spPr>
+        <p:txBody>
+          <a:bodyPr wrap="none" rtlCol="0">
+            <a:spAutoFit/>
+          </a:bodyPr>
+          <a:lstStyle/>
+          <a:p>
+            <a:r>
+              <a:rPr kumimoji="1" lang="en-US" altLang="ja-JP" dirty="0">
+                <a:solidFill>
+                  <a:schemeClr val="accent2"/>
+                </a:solidFill>
+              </a:rPr>
+              <a:t>Solution File</a:t>
+            </a:r>
+            <a:endParaRPr kumimoji="1" lang="ja-JP" altLang="en-US" dirty="0">
+              <a:solidFill>
+                <a:schemeClr val="accent2"/>
+              </a:solidFill>
+            </a:endParaRPr>
+          </a:p>
+        </p:txBody>
+      </p:sp>
+      <p:sp>
+        <p:nvSpPr>
+          <p:cNvPr id="6" name="テキスト ボックス 5">
+            <a:extLst>
+              <a:ext uri="{FF2B5EF4-FFF2-40B4-BE49-F238E27FC236}">
+                <a16:creationId xmlns:a16="http://schemas.microsoft.com/office/drawing/2014/main" id="{E0546281-B97A-4B0D-8F6C-D0D8448757A2}"/>
+              </a:ext>
+            </a:extLst>
+          </p:cNvPr>
+          <p:cNvSpPr txBox="1"/>
+          <p:nvPr/>
+        </p:nvSpPr>
+        <p:spPr>
+          <a:xfrm>
+            <a:off x="7056534" y="2083334"/>
+            <a:ext cx="1590692" cy="369332"/>
+          </a:xfrm>
+          <a:prstGeom prst="rect">
+            <a:avLst/>
+          </a:prstGeom>
+          <a:noFill/>
+        </p:spPr>
+        <p:txBody>
+          <a:bodyPr wrap="none" rtlCol="0">
+            <a:spAutoFit/>
+          </a:bodyPr>
+          <a:lstStyle/>
+          <a:p>
+            <a:r>
+              <a:rPr kumimoji="1" lang="en-US" altLang="ja-JP" dirty="0">
+                <a:solidFill>
+                  <a:schemeClr val="accent2"/>
+                </a:solidFill>
+              </a:rPr>
+              <a:t>Project Folder</a:t>
+            </a:r>
+            <a:endParaRPr kumimoji="1" lang="ja-JP" altLang="en-US" dirty="0">
+              <a:solidFill>
+                <a:schemeClr val="accent2"/>
+              </a:solidFill>
+            </a:endParaRPr>
+          </a:p>
+        </p:txBody>
+      </p:sp>
+      <p:cxnSp>
+        <p:nvCxnSpPr>
+          <p:cNvPr id="7" name="直線矢印コネクタ 6">
+            <a:extLst>
+              <a:ext uri="{FF2B5EF4-FFF2-40B4-BE49-F238E27FC236}">
+                <a16:creationId xmlns:a16="http://schemas.microsoft.com/office/drawing/2014/main" id="{40F1F982-422E-4308-8DD7-38F9D020A27F}"/>
+              </a:ext>
+            </a:extLst>
+          </p:cNvPr>
+          <p:cNvCxnSpPr>
+            <a:cxnSpLocks/>
+            <a:stCxn id="5" idx="1"/>
+          </p:cNvCxnSpPr>
+          <p:nvPr/>
+        </p:nvCxnSpPr>
+        <p:spPr>
+          <a:xfrm flipH="1" flipV="1">
+            <a:off x="6859403" y="2747094"/>
+            <a:ext cx="355074" cy="199744"/>
+          </a:xfrm>
+          <a:prstGeom prst="straightConnector1">
+            <a:avLst/>
+          </a:prstGeom>
+          <a:ln>
+            <a:solidFill>
+              <a:schemeClr val="accent2"/>
+            </a:solidFill>
+            <a:tailEnd type="arrow"/>
+          </a:ln>
+        </p:spPr>
+        <p:style>
+          <a:lnRef idx="1">
+            <a:schemeClr val="accent1"/>
+          </a:lnRef>
+          <a:fillRef idx="0">
+            <a:schemeClr val="accent1"/>
+          </a:fillRef>
+          <a:effectRef idx="0">
+            <a:schemeClr val="accent1"/>
+          </a:effectRef>
+          <a:fontRef idx="minor">
+            <a:schemeClr val="tx1"/>
+          </a:fontRef>
+        </p:style>
+      </p:cxnSp>
+      <p:cxnSp>
+        <p:nvCxnSpPr>
+          <p:cNvPr id="8" name="直線矢印コネクタ 7">
+            <a:extLst>
+              <a:ext uri="{FF2B5EF4-FFF2-40B4-BE49-F238E27FC236}">
+                <a16:creationId xmlns:a16="http://schemas.microsoft.com/office/drawing/2014/main" id="{4AAF7447-5BC4-4C02-8C28-0ED055F56FCA}"/>
+              </a:ext>
+            </a:extLst>
+          </p:cNvPr>
+          <p:cNvCxnSpPr>
+            <a:cxnSpLocks/>
+            <a:stCxn id="6" idx="1"/>
+          </p:cNvCxnSpPr>
+          <p:nvPr/>
+        </p:nvCxnSpPr>
+        <p:spPr>
+          <a:xfrm flipH="1">
+            <a:off x="6578600" y="2268000"/>
+            <a:ext cx="477934" cy="293039"/>
+          </a:xfrm>
+          <a:prstGeom prst="straightConnector1">
+            <a:avLst/>
+          </a:prstGeom>
+          <a:ln>
+            <a:solidFill>
+              <a:schemeClr val="accent2"/>
+            </a:solidFill>
+            <a:tailEnd type="arrow"/>
+          </a:ln>
+        </p:spPr>
+        <p:style>
+          <a:lnRef idx="1">
+            <a:schemeClr val="accent1"/>
+          </a:lnRef>
+          <a:fillRef idx="0">
+            <a:schemeClr val="accent1"/>
+          </a:fillRef>
+          <a:effectRef idx="0">
+            <a:schemeClr val="accent1"/>
+          </a:effectRef>
+          <a:fontRef idx="minor">
+            <a:schemeClr val="tx1"/>
+          </a:fontRef>
+        </p:style>
+      </p:cxnSp>
+      <p:sp>
+        <p:nvSpPr>
+          <p:cNvPr id="9" name="正方形/長方形 8">
+            <a:extLst>
+              <a:ext uri="{FF2B5EF4-FFF2-40B4-BE49-F238E27FC236}">
+                <a16:creationId xmlns:a16="http://schemas.microsoft.com/office/drawing/2014/main" id="{D2DECBE5-59B1-4F35-B690-7210926B2F80}"/>
+              </a:ext>
+            </a:extLst>
+          </p:cNvPr>
+          <p:cNvSpPr/>
+          <p:nvPr/>
+        </p:nvSpPr>
+        <p:spPr>
+          <a:xfrm>
+            <a:off x="6036839" y="2644917"/>
+            <a:ext cx="745375" cy="274866"/>
+          </a:xfrm>
+          <a:prstGeom prst="rect">
+            <a:avLst/>
+          </a:prstGeom>
+          <a:noFill/>
+          <a:ln w="28575">
+            <a:solidFill>
+              <a:schemeClr val="accent2"/>
+            </a:solidFill>
+          </a:ln>
+        </p:spPr>
+        <p:style>
+          <a:lnRef idx="2">
+            <a:schemeClr val="accent1">
+              <a:shade val="50000"/>
+            </a:schemeClr>
+          </a:lnRef>
+          <a:fillRef idx="1">
+            <a:schemeClr val="accent1"/>
+          </a:fillRef>
+          <a:effectRef idx="0">
+            <a:schemeClr val="accent1"/>
+          </a:effectRef>
+          <a:fontRef idx="minor">
+            <a:schemeClr val="lt1"/>
+          </a:fontRef>
+        </p:style>
+        <p:txBody>
+          <a:bodyPr rtlCol="0" anchor="ctr"/>
+          <a:lstStyle/>
+          <a:p>
+            <a:pPr algn="ctr"/>
+            <a:endParaRPr kumimoji="1" lang="ja-JP" altLang="en-US"/>
+          </a:p>
+        </p:txBody>
+      </p:sp>
+    </p:spTree>
+    <p:extLst>
+      <p:ext uri="{BB962C8B-B14F-4D97-AF65-F5344CB8AC3E}">
+        <p14:creationId xmlns:p14="http://schemas.microsoft.com/office/powerpoint/2010/main" val="684734444"/>
       </p:ext>
     </p:extLst>
   </p:cSld>
@@ -4417,7 +6404,7 @@
           <a:p>
             <a:r>
               <a:rPr lang="en-US" altLang="ja-JP" dirty="0"/>
-              <a:t>2. What is Visual Studio</a:t>
+              <a:t>2. What is Visual Studio(VS)</a:t>
             </a:r>
           </a:p>
           <a:p>
@@ -4539,40 +6526,9 @@
             </a:r>
           </a:p>
           <a:p>
-            <a:r>
-              <a:rPr lang="en-US" altLang="ja-JP" dirty="0"/>
-              <a:t>2. What is Visual Studio</a:t>
-            </a:r>
-          </a:p>
-          <a:p>
-            <a:r>
-              <a:rPr kumimoji="1" lang="en-US" altLang="ja-JP" dirty="0"/>
-              <a:t>3. Functions of VS</a:t>
-            </a:r>
-          </a:p>
-          <a:p>
-            <a:r>
-              <a:rPr lang="en-US" altLang="ja-JP" dirty="0"/>
-              <a:t>4. How to download VS</a:t>
-            </a:r>
-          </a:p>
-          <a:p>
-            <a:r>
-              <a:rPr kumimoji="1" lang="en-US" altLang="ja-JP" dirty="0"/>
-              <a:t>5. How to install VS</a:t>
-            </a:r>
-          </a:p>
-          <a:p>
-            <a:r>
-              <a:rPr lang="en-US" altLang="ja-JP" dirty="0"/>
-              <a:t>6. Who can use VS</a:t>
-            </a:r>
-          </a:p>
-          <a:p>
-            <a:r>
-              <a:rPr kumimoji="1" lang="en-US" altLang="ja-JP" dirty="0"/>
-              <a:t>7. How to use VS </a:t>
-            </a:r>
+            <a:pPr marL="0" indent="0">
+              <a:buNone/>
+            </a:pPr>
             <a:endParaRPr kumimoji="1" lang="ja-JP" altLang="en-US" dirty="0"/>
           </a:p>
         </p:txBody>
@@ -4663,40 +6619,6 @@
             </a:r>
           </a:p>
           <a:p>
-            <a:r>
-              <a:rPr lang="en-US" altLang="ja-JP" dirty="0"/>
-              <a:t>2. What is Visual Studio(VS)</a:t>
-            </a:r>
-          </a:p>
-          <a:p>
-            <a:r>
-              <a:rPr kumimoji="1" lang="en-US" altLang="ja-JP" dirty="0"/>
-              <a:t>3. Functions of VS</a:t>
-            </a:r>
-          </a:p>
-          <a:p>
-            <a:r>
-              <a:rPr lang="en-US" altLang="ja-JP" dirty="0"/>
-              <a:t>4. How to download VS</a:t>
-            </a:r>
-          </a:p>
-          <a:p>
-            <a:r>
-              <a:rPr kumimoji="1" lang="en-US" altLang="ja-JP" dirty="0"/>
-              <a:t>5. How to install VS</a:t>
-            </a:r>
-          </a:p>
-          <a:p>
-            <a:r>
-              <a:rPr lang="en-US" altLang="ja-JP" dirty="0"/>
-              <a:t>6. Who can use VS</a:t>
-            </a:r>
-          </a:p>
-          <a:p>
-            <a:r>
-              <a:rPr kumimoji="1" lang="en-US" altLang="ja-JP" dirty="0"/>
-              <a:t>7. How to use VS </a:t>
-            </a:r>
             <a:endParaRPr kumimoji="1" lang="ja-JP" altLang="en-US" dirty="0"/>
           </a:p>
         </p:txBody>
@@ -4787,40 +6709,6 @@
             </a:r>
           </a:p>
           <a:p>
-            <a:r>
-              <a:rPr lang="en-US" altLang="ja-JP" dirty="0"/>
-              <a:t>2. What is Visual Studio</a:t>
-            </a:r>
-          </a:p>
-          <a:p>
-            <a:r>
-              <a:rPr kumimoji="1" lang="en-US" altLang="ja-JP" dirty="0"/>
-              <a:t>3. Functions of VS</a:t>
-            </a:r>
-          </a:p>
-          <a:p>
-            <a:r>
-              <a:rPr lang="en-US" altLang="ja-JP" dirty="0"/>
-              <a:t>4. How to download VS</a:t>
-            </a:r>
-          </a:p>
-          <a:p>
-            <a:r>
-              <a:rPr kumimoji="1" lang="en-US" altLang="ja-JP" dirty="0"/>
-              <a:t>5. How to install VS</a:t>
-            </a:r>
-          </a:p>
-          <a:p>
-            <a:r>
-              <a:rPr lang="en-US" altLang="ja-JP" dirty="0"/>
-              <a:t>6. Who can use VS</a:t>
-            </a:r>
-          </a:p>
-          <a:p>
-            <a:r>
-              <a:rPr kumimoji="1" lang="en-US" altLang="ja-JP" dirty="0"/>
-              <a:t>7. How to use VS </a:t>
-            </a:r>
             <a:endParaRPr kumimoji="1" lang="ja-JP" altLang="en-US" dirty="0"/>
           </a:p>
         </p:txBody>
@@ -4978,7 +6866,7 @@
           </a:p>
           <a:p>
             <a:r>
-              <a:rPr lang="ja-JP" altLang="en-US" dirty="0"/>
+              <a:rPr lang="ja-JP" altLang="en-US" sz="1800" dirty="0"/>
               <a:t>　 </a:t>
             </a:r>
             <a:r>
@@ -5716,23 +7604,105 @@
             <p:ph idx="1"/>
           </p:nvPr>
         </p:nvSpPr>
-        <p:spPr/>
+        <p:spPr>
+          <a:xfrm>
+            <a:off x="822959" y="1845734"/>
+            <a:ext cx="7543801" cy="4525086"/>
+          </a:xfrm>
+        </p:spPr>
         <p:txBody>
           <a:bodyPr/>
           <a:lstStyle/>
           <a:p>
             <a:r>
-              <a:rPr kumimoji="1" lang="en-US" altLang="ja-JP" dirty="0"/>
-              <a:t>&lt;&gt;</a:t>
-            </a:r>
-          </a:p>
-          <a:p>
-            <a:endParaRPr lang="en-US" altLang="ja-JP" dirty="0"/>
-          </a:p>
-          <a:p>
+              <a:rPr kumimoji="1" lang="en-US" altLang="ja-JP" b="1" dirty="0"/>
+              <a:t>&lt;User&gt;</a:t>
+            </a:r>
+          </a:p>
+          <a:p>
+            <a:r>
+              <a:rPr lang="ja-JP" altLang="en-US" b="1" dirty="0"/>
+              <a:t>　</a:t>
+            </a:r>
             <a:r>
               <a:rPr lang="en-US" altLang="ja-JP" dirty="0"/>
-              <a:t>&lt;&gt;</a:t>
+              <a:t>students and staffs who belong to </a:t>
+            </a:r>
+          </a:p>
+          <a:p>
+            <a:r>
+              <a:rPr lang="ja-JP" altLang="en-US" dirty="0"/>
+              <a:t>　　</a:t>
+            </a:r>
+            <a:r>
+              <a:rPr lang="en-US" altLang="ja-JP" dirty="0"/>
+              <a:t>Faculty of Engineering, School of Engineering,</a:t>
+            </a:r>
+          </a:p>
+          <a:p>
+            <a:r>
+              <a:rPr lang="ja-JP" altLang="en-US" dirty="0"/>
+              <a:t>　　</a:t>
+            </a:r>
+            <a:r>
+              <a:rPr lang="en-US" altLang="ja-JP" dirty="0"/>
+              <a:t>Graduate school of Information Science and Technology</a:t>
+            </a:r>
+          </a:p>
+          <a:p>
+            <a:r>
+              <a:rPr lang="en-US" altLang="ja-JP" b="1" dirty="0"/>
+              <a:t>&lt;Purpose&gt;</a:t>
+            </a:r>
+          </a:p>
+          <a:p>
+            <a:r>
+              <a:rPr lang="ja-JP" altLang="en-US" b="1" dirty="0"/>
+              <a:t>　</a:t>
+            </a:r>
+            <a:r>
+              <a:rPr lang="en-US" altLang="ja-JP" dirty="0"/>
+              <a:t>Education, Academic projects, Non-commercial research</a:t>
+            </a:r>
+          </a:p>
+          <a:p>
+            <a:r>
+              <a:rPr lang="en-US" altLang="ja-JP" b="1" dirty="0"/>
+              <a:t>&lt;Device&gt;</a:t>
+            </a:r>
+          </a:p>
+          <a:p>
+            <a:r>
+              <a:rPr lang="ja-JP" altLang="en-US" b="1" dirty="0"/>
+              <a:t>　</a:t>
+            </a:r>
+            <a:r>
+              <a:rPr lang="en-US" altLang="ja-JP" u="sng" dirty="0"/>
+              <a:t>Private PC</a:t>
+            </a:r>
+            <a:r>
+              <a:rPr lang="en-US" altLang="ja-JP" dirty="0"/>
+              <a:t> or lab PC of students and staffs</a:t>
+            </a:r>
+          </a:p>
+          <a:p>
+            <a:r>
+              <a:rPr lang="ja-JP" altLang="en-US" dirty="0"/>
+              <a:t>　</a:t>
+            </a:r>
+            <a:r>
+              <a:rPr lang="en-US" altLang="ja-JP" dirty="0"/>
+              <a:t>Ex.) your computer at home</a:t>
+            </a:r>
+          </a:p>
+          <a:p>
+            <a:r>
+              <a:rPr lang="ja-JP" altLang="en-US" dirty="0"/>
+              <a:t>　　</a:t>
+            </a:r>
+            <a:r>
+              <a:rPr lang="en-US" altLang="ja-JP" sz="1400" dirty="0"/>
+              <a:t>You can do research at home!</a:t>
             </a:r>
             <a:endParaRPr kumimoji="1" lang="ja-JP" altLang="en-US" dirty="0"/>
           </a:p>

--- a/02_working/07_IDE/02_スライド/IDE&VS_20180508.pptx
+++ b/02_working/07_IDE/02_スライド/IDE&VS_20180508.pptx
@@ -9,7 +9,7 @@
     <p:sldId id="257" r:id="rId3"/>
     <p:sldId id="258" r:id="rId4"/>
     <p:sldId id="259" r:id="rId5"/>
-    <p:sldId id="260" r:id="rId6"/>
+    <p:sldId id="268" r:id="rId6"/>
     <p:sldId id="261" r:id="rId7"/>
     <p:sldId id="265" r:id="rId8"/>
     <p:sldId id="262" r:id="rId9"/>
@@ -4186,7 +4186,12 @@
             <p:ph type="subTitle" idx="1"/>
           </p:nvPr>
         </p:nvSpPr>
-        <p:spPr/>
+        <p:spPr>
+          <a:xfrm>
+            <a:off x="825038" y="4455620"/>
+            <a:ext cx="7543800" cy="1846325"/>
+          </a:xfrm>
+        </p:spPr>
         <p:txBody>
           <a:bodyPr/>
           <a:lstStyle/>
@@ -4205,10 +4210,67 @@
               <a:rPr lang="en-US" altLang="ja-JP" b="1" dirty="0"/>
               <a:t>2 Student Seminar</a:t>
             </a:r>
+          </a:p>
+          <a:p>
+            <a:r>
+              <a:rPr kumimoji="1" lang="en-US" altLang="ja-JP" b="1" dirty="0"/>
+              <a:t>M2 Yuki </a:t>
+            </a:r>
+            <a:r>
+              <a:rPr kumimoji="1" lang="en-US" altLang="ja-JP" b="1" dirty="0" err="1"/>
+              <a:t>Kajihara</a:t>
+            </a:r>
             <a:endParaRPr kumimoji="1" lang="ja-JP" altLang="en-US" b="1" dirty="0"/>
           </a:p>
         </p:txBody>
       </p:sp>
+      <p:pic>
+        <p:nvPicPr>
+          <p:cNvPr id="2050" name="Picture 2" descr="ãvisual studioãã®ç»åæ¤ç´¢çµæ">
+            <a:extLst>
+              <a:ext uri="{FF2B5EF4-FFF2-40B4-BE49-F238E27FC236}">
+                <a16:creationId xmlns:a16="http://schemas.microsoft.com/office/drawing/2014/main" id="{CAC3920A-15F9-41D1-BBAD-24DB40476F13}"/>
+              </a:ext>
+            </a:extLst>
+          </p:cNvPr>
+          <p:cNvPicPr>
+            <a:picLocks noChangeAspect="1" noChangeArrowheads="1"/>
+          </p:cNvPicPr>
+          <p:nvPr/>
+        </p:nvPicPr>
+        <p:blipFill>
+          <a:blip r:embed="rId2">
+            <a:extLst>
+              <a:ext uri="{28A0092B-C50C-407E-A947-70E740481C1C}">
+                <a14:useLocalDpi xmlns:a14="http://schemas.microsoft.com/office/drawing/2010/main" val="0"/>
+              </a:ext>
+            </a:extLst>
+          </a:blip>
+          <a:srcRect/>
+          <a:stretch>
+            <a:fillRect/>
+          </a:stretch>
+        </p:blipFill>
+        <p:spPr bwMode="auto">
+          <a:xfrm>
+            <a:off x="5177482" y="758952"/>
+            <a:ext cx="3749040" cy="2106484"/>
+          </a:xfrm>
+          <a:prstGeom prst="rect">
+            <a:avLst/>
+          </a:prstGeom>
+          <a:noFill/>
+          <a:extLst>
+            <a:ext uri="{909E8E84-426E-40DD-AFC4-6F175D3DCCD1}">
+              <a14:hiddenFill xmlns:a14="http://schemas.microsoft.com/office/drawing/2010/main">
+                <a:solidFill>
+                  <a:srgbClr val="FFFFFF"/>
+                </a:solidFill>
+              </a14:hiddenFill>
+            </a:ext>
+          </a:extLst>
+        </p:spPr>
+      </p:pic>
     </p:spTree>
     <p:extLst>
       <p:ext uri="{BB962C8B-B14F-4D97-AF65-F5344CB8AC3E}">
@@ -4308,6 +4370,10 @@
               <a:t>　</a:t>
             </a:r>
             <a:r>
+              <a:rPr lang="ja-JP" altLang="en-US" dirty="0"/>
+              <a:t>・</a:t>
+            </a:r>
+            <a:r>
               <a:rPr kumimoji="1" lang="en-US" altLang="ja-JP" sz="1800" dirty="0"/>
               <a:t>Project: put source files necessary to creat</a:t>
             </a:r>
@@ -4323,7 +4389,7 @@
           <a:p>
             <a:r>
               <a:rPr lang="ja-JP" altLang="en-US" sz="1800" dirty="0"/>
-              <a:t>　</a:t>
+              <a:t>　　</a:t>
             </a:r>
             <a:r>
               <a:rPr lang="en-US" altLang="ja-JP" sz="1800" dirty="0"/>
@@ -4674,6 +4740,51 @@
               </a:rPr>
               <a:t>⑤</a:t>
             </a:r>
+          </a:p>
+        </p:txBody>
+      </p:sp>
+      <p:sp>
+        <p:nvSpPr>
+          <p:cNvPr id="10" name="テキスト ボックス 9">
+            <a:extLst>
+              <a:ext uri="{FF2B5EF4-FFF2-40B4-BE49-F238E27FC236}">
+                <a16:creationId xmlns:a16="http://schemas.microsoft.com/office/drawing/2014/main" id="{66235D6B-4D18-41F5-817E-0D63BC4D3019}"/>
+              </a:ext>
+            </a:extLst>
+          </p:cNvPr>
+          <p:cNvSpPr txBox="1"/>
+          <p:nvPr/>
+        </p:nvSpPr>
+        <p:spPr>
+          <a:xfrm>
+            <a:off x="7600641" y="6427426"/>
+            <a:ext cx="1358008" cy="400110"/>
+          </a:xfrm>
+          <a:prstGeom prst="rect">
+            <a:avLst/>
+          </a:prstGeom>
+          <a:noFill/>
+        </p:spPr>
+        <p:txBody>
+          <a:bodyPr wrap="square" rtlCol="0">
+            <a:spAutoFit/>
+          </a:bodyPr>
+          <a:lstStyle/>
+          <a:p>
+            <a:pPr algn="r"/>
+            <a:r>
+              <a:rPr kumimoji="1" lang="en-US" altLang="ja-JP" sz="2000" b="1" dirty="0">
+                <a:solidFill>
+                  <a:schemeClr val="bg1"/>
+                </a:solidFill>
+              </a:rPr>
+              <a:t>8</a:t>
+            </a:r>
+            <a:endParaRPr kumimoji="1" lang="ja-JP" altLang="en-US" sz="2000" b="1" dirty="0">
+              <a:solidFill>
+                <a:schemeClr val="bg1"/>
+              </a:solidFill>
+            </a:endParaRPr>
           </a:p>
         </p:txBody>
       </p:sp>
@@ -5767,6 +5878,51 @@
           </a:p>
         </p:txBody>
       </p:sp>
+      <p:sp>
+        <p:nvSpPr>
+          <p:cNvPr id="17" name="テキスト ボックス 16">
+            <a:extLst>
+              <a:ext uri="{FF2B5EF4-FFF2-40B4-BE49-F238E27FC236}">
+                <a16:creationId xmlns:a16="http://schemas.microsoft.com/office/drawing/2014/main" id="{F026B62E-3CCC-4A4C-BED9-BCF8B01A4568}"/>
+              </a:ext>
+            </a:extLst>
+          </p:cNvPr>
+          <p:cNvSpPr txBox="1"/>
+          <p:nvPr/>
+        </p:nvSpPr>
+        <p:spPr>
+          <a:xfrm>
+            <a:off x="7600641" y="6427426"/>
+            <a:ext cx="1358008" cy="400110"/>
+          </a:xfrm>
+          <a:prstGeom prst="rect">
+            <a:avLst/>
+          </a:prstGeom>
+          <a:noFill/>
+        </p:spPr>
+        <p:txBody>
+          <a:bodyPr wrap="square" rtlCol="0">
+            <a:spAutoFit/>
+          </a:bodyPr>
+          <a:lstStyle/>
+          <a:p>
+            <a:pPr algn="r"/>
+            <a:r>
+              <a:rPr kumimoji="1" lang="en-US" altLang="ja-JP" sz="2000" b="1" dirty="0">
+                <a:solidFill>
+                  <a:schemeClr val="bg1"/>
+                </a:solidFill>
+              </a:rPr>
+              <a:t>9</a:t>
+            </a:r>
+            <a:endParaRPr kumimoji="1" lang="ja-JP" altLang="en-US" sz="2000" b="1" dirty="0">
+              <a:solidFill>
+                <a:schemeClr val="bg1"/>
+              </a:solidFill>
+            </a:endParaRPr>
+          </a:p>
+        </p:txBody>
+      </p:sp>
     </p:spTree>
     <p:extLst>
       <p:ext uri="{BB962C8B-B14F-4D97-AF65-F5344CB8AC3E}">
@@ -5871,110 +6027,146 @@
               <a:buNone/>
             </a:pPr>
             <a:r>
+              <a:rPr lang="ja-JP" altLang="en-US" dirty="0"/>
+              <a:t>　・</a:t>
+            </a:r>
+            <a:r>
+              <a:rPr kumimoji="1" lang="en-US" altLang="ja-JP" dirty="0"/>
+              <a:t>Open </a:t>
+            </a:r>
+            <a:r>
+              <a:rPr kumimoji="1" lang="en-US" altLang="ja-JP" b="1" dirty="0">
+                <a:solidFill>
+                  <a:srgbClr val="FF0000"/>
+                </a:solidFill>
+              </a:rPr>
+              <a:t>.</a:t>
+            </a:r>
+            <a:r>
+              <a:rPr kumimoji="1" lang="en-US" altLang="ja-JP" b="1" dirty="0" err="1">
+                <a:solidFill>
+                  <a:srgbClr val="FF0000"/>
+                </a:solidFill>
+              </a:rPr>
+              <a:t>sln</a:t>
+            </a:r>
+            <a:r>
+              <a:rPr kumimoji="1" lang="en-US" altLang="ja-JP" b="1" dirty="0">
+                <a:solidFill>
+                  <a:srgbClr val="FF0000"/>
+                </a:solidFill>
+              </a:rPr>
+              <a:t> file </a:t>
+            </a:r>
+            <a:r>
+              <a:rPr kumimoji="1" lang="en-US" altLang="ja-JP" dirty="0"/>
+              <a:t>in the directory where you work</a:t>
+            </a:r>
+          </a:p>
+          <a:p>
+            <a:pPr marL="0" indent="0">
+              <a:buNone/>
+            </a:pPr>
+            <a:r>
+              <a:rPr lang="en-US" altLang="ja-JP" b="1" dirty="0"/>
+              <a:t>&lt;The difference between solution and project&gt;</a:t>
+            </a:r>
+          </a:p>
+          <a:p>
+            <a:pPr marL="0" indent="0">
+              <a:buNone/>
+            </a:pPr>
+            <a:r>
+              <a:rPr lang="ja-JP" altLang="en-US" dirty="0"/>
+              <a:t>　・</a:t>
+            </a:r>
+            <a:r>
+              <a:rPr lang="en-US" altLang="ja-JP" dirty="0"/>
+              <a:t>One software is consist of projects (ex. .exe and .</a:t>
+            </a:r>
+            <a:r>
+              <a:rPr lang="en-US" altLang="ja-JP" dirty="0" err="1"/>
+              <a:t>dll</a:t>
+            </a:r>
+            <a:r>
+              <a:rPr lang="en-US" altLang="ja-JP" dirty="0"/>
+              <a:t> files)</a:t>
+            </a:r>
+          </a:p>
+          <a:p>
+            <a:pPr marL="0" indent="0">
+              <a:buNone/>
+            </a:pPr>
+            <a:r>
+              <a:rPr kumimoji="1" lang="ja-JP" altLang="en-US" dirty="0"/>
+              <a:t>　　</a:t>
+            </a:r>
+            <a:r>
+              <a:rPr kumimoji="1" lang="en-US" altLang="ja-JP" b="1" dirty="0">
+                <a:solidFill>
+                  <a:srgbClr val="FF0000"/>
+                </a:solidFill>
+              </a:rPr>
+              <a:t>Project</a:t>
+            </a:r>
+            <a:r>
+              <a:rPr kumimoji="1" lang="en-US" altLang="ja-JP" dirty="0"/>
+              <a:t>: one project is needed to create one program</a:t>
+            </a:r>
+          </a:p>
+          <a:p>
+            <a:pPr marL="0" indent="0">
+              <a:buNone/>
+            </a:pPr>
+            <a:r>
+              <a:rPr kumimoji="1" lang="ja-JP" altLang="en-US" dirty="0"/>
+              <a:t>　　</a:t>
+            </a:r>
+            <a:r>
+              <a:rPr kumimoji="1" lang="en-US" altLang="ja-JP" b="1" dirty="0">
+                <a:solidFill>
+                  <a:srgbClr val="FF0000"/>
+                </a:solidFill>
+              </a:rPr>
+              <a:t>Solution</a:t>
+            </a:r>
+            <a:r>
+              <a:rPr kumimoji="1" lang="en-US" altLang="ja-JP" dirty="0"/>
+              <a:t>: Container to combine and manage projects to create </a:t>
+            </a:r>
+          </a:p>
+          <a:p>
+            <a:pPr marL="0" indent="0">
+              <a:buNone/>
+            </a:pPr>
+            <a:r>
+              <a:rPr lang="en-US" altLang="ja-JP" dirty="0"/>
+              <a:t>             </a:t>
+            </a:r>
+            <a:r>
+              <a:rPr lang="ja-JP" altLang="en-US" dirty="0"/>
+              <a:t>　</a:t>
+            </a:r>
+            <a:r>
+              <a:rPr lang="en-US" altLang="ja-JP" dirty="0"/>
+              <a:t>      </a:t>
+            </a:r>
+            <a:r>
+              <a:rPr kumimoji="1" lang="en-US" altLang="ja-JP" dirty="0"/>
+              <a:t>one software</a:t>
+            </a:r>
+          </a:p>
+          <a:p>
+            <a:pPr marL="0" indent="0">
+              <a:buNone/>
+            </a:pPr>
+            <a:r>
               <a:rPr kumimoji="1" lang="ja-JP" altLang="en-US" dirty="0"/>
               <a:t>　</a:t>
             </a:r>
             <a:r>
-              <a:rPr kumimoji="1" lang="en-US" altLang="ja-JP" dirty="0"/>
-              <a:t>Open .</a:t>
-            </a:r>
-            <a:r>
-              <a:rPr kumimoji="1" lang="en-US" altLang="ja-JP" dirty="0" err="1"/>
-              <a:t>sln</a:t>
-            </a:r>
-            <a:r>
-              <a:rPr kumimoji="1" lang="en-US" altLang="ja-JP" dirty="0"/>
-              <a:t> file in the directory to save</a:t>
-            </a:r>
-          </a:p>
-          <a:p>
-            <a:pPr marL="0" indent="0">
-              <a:buNone/>
-            </a:pPr>
-            <a:r>
-              <a:rPr lang="en-US" altLang="ja-JP" b="1" dirty="0"/>
-              <a:t>&lt;The difference between solution and project&gt;</a:t>
-            </a:r>
-          </a:p>
-          <a:p>
-            <a:pPr marL="0" indent="0">
-              <a:buNone/>
-            </a:pPr>
-            <a:r>
-              <a:rPr lang="ja-JP" altLang="en-US" dirty="0"/>
-              <a:t>　</a:t>
-            </a:r>
-            <a:r>
-              <a:rPr lang="en-US" altLang="ja-JP" dirty="0"/>
-              <a:t>One software is consist of projects (ex. .exe and .</a:t>
-            </a:r>
-            <a:r>
-              <a:rPr lang="en-US" altLang="ja-JP" dirty="0" err="1"/>
-              <a:t>dll</a:t>
-            </a:r>
-            <a:r>
-              <a:rPr lang="en-US" altLang="ja-JP" dirty="0"/>
-              <a:t> files)</a:t>
-            </a:r>
-          </a:p>
-          <a:p>
-            <a:pPr marL="0" indent="0">
-              <a:buNone/>
-            </a:pPr>
-            <a:r>
-              <a:rPr kumimoji="1" lang="ja-JP" altLang="en-US" dirty="0"/>
-              <a:t>　</a:t>
-            </a:r>
-            <a:r>
-              <a:rPr kumimoji="1" lang="en-US" altLang="ja-JP" b="1" dirty="0"/>
-              <a:t>Project</a:t>
-            </a:r>
-            <a:r>
-              <a:rPr kumimoji="1" lang="en-US" altLang="ja-JP" dirty="0"/>
-              <a:t>: one project is needed to create one program</a:t>
-            </a:r>
-          </a:p>
-          <a:p>
-            <a:pPr marL="0" indent="0">
-              <a:buNone/>
-            </a:pPr>
-            <a:r>
-              <a:rPr kumimoji="1" lang="ja-JP" altLang="en-US" dirty="0"/>
-              <a:t>　</a:t>
-            </a:r>
-            <a:r>
-              <a:rPr kumimoji="1" lang="en-US" altLang="ja-JP" b="1" dirty="0"/>
-              <a:t>Solution</a:t>
-            </a:r>
-            <a:r>
-              <a:rPr kumimoji="1" lang="en-US" altLang="ja-JP" dirty="0"/>
-              <a:t>: Container to combine and manage projects to create </a:t>
-            </a:r>
-          </a:p>
-          <a:p>
-            <a:pPr marL="0" indent="0">
-              <a:buNone/>
-            </a:pPr>
-            <a:r>
-              <a:rPr lang="en-US" altLang="ja-JP" dirty="0"/>
-              <a:t>                   </a:t>
-            </a:r>
-            <a:r>
-              <a:rPr kumimoji="1" lang="en-US" altLang="ja-JP" dirty="0"/>
-              <a:t>one software</a:t>
-            </a:r>
-          </a:p>
-          <a:p>
-            <a:pPr marL="0" indent="0">
-              <a:buNone/>
-            </a:pPr>
-            <a:r>
-              <a:rPr kumimoji="1" lang="ja-JP" altLang="en-US" dirty="0"/>
-              <a:t>　</a:t>
-            </a:r>
-            <a:r>
               <a:rPr kumimoji="1" lang="en-US" altLang="ja-JP" u="sng" dirty="0"/>
-              <a:t>※You don’t have to care th</a:t>
+              <a:t>※You don’t have to care about th</a:t>
             </a:r>
             <a:r>
               <a:rPr lang="en-US" altLang="ja-JP" u="sng" dirty="0"/>
@@ -5982,7 +6174,7 @@
             </a:r>
             <a:r>
               <a:rPr kumimoji="1" lang="en-US" altLang="ja-JP" u="sng" dirty="0"/>
-              <a:t>in out lab</a:t>
+              <a:t>in our lab</a:t>
             </a:r>
           </a:p>
           <a:p>
@@ -5991,7 +6183,7 @@
             </a:pPr>
             <a:r>
               <a:rPr kumimoji="1" lang="ja-JP" altLang="en-US" dirty="0"/>
-              <a:t>　　　</a:t>
+              <a:t>　　・</a:t>
             </a:r>
             <a:r>
               <a:rPr kumimoji="1" lang="en-US" altLang="ja-JP" dirty="0"/>
@@ -6068,7 +6260,7 @@
         </p:blipFill>
         <p:spPr bwMode="auto">
           <a:xfrm>
-            <a:off x="5888942" y="1963678"/>
+            <a:off x="6210217" y="1963678"/>
             <a:ext cx="1038225" cy="1019175"/>
           </a:xfrm>
           <a:prstGeom prst="rect">
@@ -6100,7 +6292,7 @@
         </p:nvSpPr>
         <p:spPr>
           <a:xfrm>
-            <a:off x="7214477" y="2762172"/>
+            <a:off x="7535752" y="2762172"/>
             <a:ext cx="1435008" cy="369332"/>
           </a:xfrm>
           <a:prstGeom prst="rect">
@@ -6144,7 +6336,7 @@
         </p:nvSpPr>
         <p:spPr>
           <a:xfrm>
-            <a:off x="7056534" y="2083334"/>
+            <a:off x="7377809" y="2083334"/>
             <a:ext cx="1590692" cy="369332"/>
           </a:xfrm>
           <a:prstGeom prst="rect">
@@ -6191,7 +6383,7 @@
         </p:nvCxnSpPr>
         <p:spPr>
           <a:xfrm flipH="1" flipV="1">
-            <a:off x="6859403" y="2747094"/>
+            <a:off x="7180678" y="2747094"/>
             <a:ext cx="355074" cy="199744"/>
           </a:xfrm>
           <a:prstGeom prst="straightConnector1">
@@ -6236,7 +6428,7 @@
         </p:nvCxnSpPr>
         <p:spPr>
           <a:xfrm flipH="1">
-            <a:off x="6578600" y="2268000"/>
+            <a:off x="6899875" y="2268000"/>
             <a:ext cx="477934" cy="293039"/>
           </a:xfrm>
           <a:prstGeom prst="straightConnector1">
@@ -6278,7 +6470,7 @@
         </p:nvSpPr>
         <p:spPr>
           <a:xfrm>
-            <a:off x="6036839" y="2644917"/>
+            <a:off x="6358114" y="2644917"/>
             <a:ext cx="745375" cy="274866"/>
           </a:xfrm>
           <a:prstGeom prst="rect">
@@ -6313,6 +6505,51 @@
           <a:p>
             <a:pPr algn="ctr"/>
             <a:endParaRPr kumimoji="1" lang="ja-JP" altLang="en-US"/>
+          </a:p>
+        </p:txBody>
+      </p:sp>
+      <p:sp>
+        <p:nvSpPr>
+          <p:cNvPr id="10" name="テキスト ボックス 9">
+            <a:extLst>
+              <a:ext uri="{FF2B5EF4-FFF2-40B4-BE49-F238E27FC236}">
+                <a16:creationId xmlns:a16="http://schemas.microsoft.com/office/drawing/2014/main" id="{EA1A7DAF-A6CB-4665-BD21-10A4B14807E3}"/>
+              </a:ext>
+            </a:extLst>
+          </p:cNvPr>
+          <p:cNvSpPr txBox="1"/>
+          <p:nvPr/>
+        </p:nvSpPr>
+        <p:spPr>
+          <a:xfrm>
+            <a:off x="7600641" y="6427426"/>
+            <a:ext cx="1358008" cy="400110"/>
+          </a:xfrm>
+          <a:prstGeom prst="rect">
+            <a:avLst/>
+          </a:prstGeom>
+          <a:noFill/>
+        </p:spPr>
+        <p:txBody>
+          <a:bodyPr wrap="square" rtlCol="0">
+            <a:spAutoFit/>
+          </a:bodyPr>
+          <a:lstStyle/>
+          <a:p>
+            <a:pPr algn="r"/>
+            <a:r>
+              <a:rPr kumimoji="1" lang="en-US" altLang="ja-JP" sz="2000" b="1" dirty="0">
+                <a:solidFill>
+                  <a:schemeClr val="bg1"/>
+                </a:solidFill>
+              </a:rPr>
+              <a:t>10</a:t>
+            </a:r>
+            <a:endParaRPr kumimoji="1" lang="ja-JP" altLang="en-US" sz="2000" b="1" dirty="0">
+              <a:solidFill>
+                <a:schemeClr val="bg1"/>
+              </a:solidFill>
+            </a:endParaRPr>
           </a:p>
         </p:txBody>
       </p:sp>
@@ -6440,6 +6677,377 @@
           </a:p>
         </p:txBody>
       </p:sp>
+      <p:sp>
+        <p:nvSpPr>
+          <p:cNvPr id="4" name="コンテンツ プレースホルダー 2">
+            <a:extLst>
+              <a:ext uri="{FF2B5EF4-FFF2-40B4-BE49-F238E27FC236}">
+                <a16:creationId xmlns:a16="http://schemas.microsoft.com/office/drawing/2014/main" id="{BA9FC21D-5B03-4AEE-AC47-191C73DE3F48}"/>
+              </a:ext>
+            </a:extLst>
+          </p:cNvPr>
+          <p:cNvSpPr txBox="1">
+            <a:spLocks/>
+          </p:cNvSpPr>
+          <p:nvPr/>
+        </p:nvSpPr>
+        <p:spPr>
+          <a:xfrm>
+            <a:off x="4572000" y="1845734"/>
+            <a:ext cx="1252977" cy="3158752"/>
+          </a:xfrm>
+          <a:prstGeom prst="rect">
+            <a:avLst/>
+          </a:prstGeom>
+        </p:spPr>
+        <p:txBody>
+          <a:bodyPr vert="horz" lIns="0" tIns="45720" rIns="0" bIns="45720" rtlCol="0">
+            <a:normAutofit/>
+          </a:bodyPr>
+          <a:lstStyle>
+            <a:lvl1pPr marL="91440" indent="-91440" algn="l" defTabSz="914400" rtl="0" eaLnBrk="1" latinLnBrk="0" hangingPunct="1">
+              <a:lnSpc>
+                <a:spcPct val="90000"/>
+              </a:lnSpc>
+              <a:spcBef>
+                <a:spcPts val="1200"/>
+              </a:spcBef>
+              <a:spcAft>
+                <a:spcPts val="200"/>
+              </a:spcAft>
+              <a:buClr>
+                <a:schemeClr val="accent1"/>
+              </a:buClr>
+              <a:buSzPct val="100000"/>
+              <a:buFont typeface="Calibri" panose="020F0502020204030204" pitchFamily="34" charset="0"/>
+              <a:buChar char=" "/>
+              <a:defRPr kumimoji="1" sz="2000" kern="1200">
+                <a:solidFill>
+                  <a:schemeClr val="tx1">
+                    <a:lumMod val="75000"/>
+                    <a:lumOff val="25000"/>
+                  </a:schemeClr>
+                </a:solidFill>
+                <a:latin typeface="+mn-lt"/>
+                <a:ea typeface="+mn-ea"/>
+                <a:cs typeface="+mn-cs"/>
+              </a:defRPr>
+            </a:lvl1pPr>
+            <a:lvl2pPr marL="384048" indent="-182880" algn="l" defTabSz="914400" rtl="0" eaLnBrk="1" latinLnBrk="0" hangingPunct="1">
+              <a:lnSpc>
+                <a:spcPct val="90000"/>
+              </a:lnSpc>
+              <a:spcBef>
+                <a:spcPts val="200"/>
+              </a:spcBef>
+              <a:spcAft>
+                <a:spcPts val="400"/>
+              </a:spcAft>
+              <a:buClr>
+                <a:schemeClr val="accent1"/>
+              </a:buClr>
+              <a:buFont typeface="Calibri" pitchFamily="34" charset="0"/>
+              <a:buChar char="◦"/>
+              <a:defRPr kumimoji="1" sz="1800" kern="1200">
+                <a:solidFill>
+                  <a:schemeClr val="tx1">
+                    <a:lumMod val="75000"/>
+                    <a:lumOff val="25000"/>
+                  </a:schemeClr>
+                </a:solidFill>
+                <a:latin typeface="+mn-lt"/>
+                <a:ea typeface="+mn-ea"/>
+                <a:cs typeface="+mn-cs"/>
+              </a:defRPr>
+            </a:lvl2pPr>
+            <a:lvl3pPr marL="566928" indent="-182880" algn="l" defTabSz="914400" rtl="0" eaLnBrk="1" latinLnBrk="0" hangingPunct="1">
+              <a:lnSpc>
+                <a:spcPct val="90000"/>
+              </a:lnSpc>
+              <a:spcBef>
+                <a:spcPts val="200"/>
+              </a:spcBef>
+              <a:spcAft>
+                <a:spcPts val="400"/>
+              </a:spcAft>
+              <a:buClr>
+                <a:schemeClr val="accent1"/>
+              </a:buClr>
+              <a:buFont typeface="Calibri" pitchFamily="34" charset="0"/>
+              <a:buChar char="◦"/>
+              <a:defRPr kumimoji="1" sz="1400" kern="1200">
+                <a:solidFill>
+                  <a:schemeClr val="tx1">
+                    <a:lumMod val="75000"/>
+                    <a:lumOff val="25000"/>
+                  </a:schemeClr>
+                </a:solidFill>
+                <a:latin typeface="+mn-lt"/>
+                <a:ea typeface="+mn-ea"/>
+                <a:cs typeface="+mn-cs"/>
+              </a:defRPr>
+            </a:lvl3pPr>
+            <a:lvl4pPr marL="749808" indent="-182880" algn="l" defTabSz="914400" rtl="0" eaLnBrk="1" latinLnBrk="0" hangingPunct="1">
+              <a:lnSpc>
+                <a:spcPct val="90000"/>
+              </a:lnSpc>
+              <a:spcBef>
+                <a:spcPts val="200"/>
+              </a:spcBef>
+              <a:spcAft>
+                <a:spcPts val="400"/>
+              </a:spcAft>
+              <a:buClr>
+                <a:schemeClr val="accent1"/>
+              </a:buClr>
+              <a:buFont typeface="Calibri" pitchFamily="34" charset="0"/>
+              <a:buChar char="◦"/>
+              <a:defRPr kumimoji="1" sz="1400" kern="1200">
+                <a:solidFill>
+                  <a:schemeClr val="tx1">
+                    <a:lumMod val="75000"/>
+                    <a:lumOff val="25000"/>
+                  </a:schemeClr>
+                </a:solidFill>
+                <a:latin typeface="+mn-lt"/>
+                <a:ea typeface="+mn-ea"/>
+                <a:cs typeface="+mn-cs"/>
+              </a:defRPr>
+            </a:lvl4pPr>
+            <a:lvl5pPr marL="932688" indent="-182880" algn="l" defTabSz="914400" rtl="0" eaLnBrk="1" latinLnBrk="0" hangingPunct="1">
+              <a:lnSpc>
+                <a:spcPct val="90000"/>
+              </a:lnSpc>
+              <a:spcBef>
+                <a:spcPts val="200"/>
+              </a:spcBef>
+              <a:spcAft>
+                <a:spcPts val="400"/>
+              </a:spcAft>
+              <a:buClr>
+                <a:schemeClr val="accent1"/>
+              </a:buClr>
+              <a:buFont typeface="Calibri" pitchFamily="34" charset="0"/>
+              <a:buChar char="◦"/>
+              <a:defRPr kumimoji="1" sz="1400" kern="1200">
+                <a:solidFill>
+                  <a:schemeClr val="tx1">
+                    <a:lumMod val="75000"/>
+                    <a:lumOff val="25000"/>
+                  </a:schemeClr>
+                </a:solidFill>
+                <a:latin typeface="+mn-lt"/>
+                <a:ea typeface="+mn-ea"/>
+                <a:cs typeface="+mn-cs"/>
+              </a:defRPr>
+            </a:lvl5pPr>
+            <a:lvl6pPr marL="1100000" indent="-228600" algn="l" defTabSz="914400" rtl="0" eaLnBrk="1" latinLnBrk="0" hangingPunct="1">
+              <a:lnSpc>
+                <a:spcPct val="90000"/>
+              </a:lnSpc>
+              <a:spcBef>
+                <a:spcPts val="200"/>
+              </a:spcBef>
+              <a:spcAft>
+                <a:spcPts val="400"/>
+              </a:spcAft>
+              <a:buClr>
+                <a:schemeClr val="accent1"/>
+              </a:buClr>
+              <a:buFont typeface="Calibri" pitchFamily="34" charset="0"/>
+              <a:buChar char="◦"/>
+              <a:defRPr kumimoji="1" sz="1400" kern="1200">
+                <a:solidFill>
+                  <a:schemeClr val="tx1">
+                    <a:lumMod val="75000"/>
+                    <a:lumOff val="25000"/>
+                  </a:schemeClr>
+                </a:solidFill>
+                <a:latin typeface="+mn-lt"/>
+                <a:ea typeface="+mn-ea"/>
+                <a:cs typeface="+mn-cs"/>
+              </a:defRPr>
+            </a:lvl6pPr>
+            <a:lvl7pPr marL="1300000" indent="-228600" algn="l" defTabSz="914400" rtl="0" eaLnBrk="1" latinLnBrk="0" hangingPunct="1">
+              <a:lnSpc>
+                <a:spcPct val="90000"/>
+              </a:lnSpc>
+              <a:spcBef>
+                <a:spcPts val="200"/>
+              </a:spcBef>
+              <a:spcAft>
+                <a:spcPts val="400"/>
+              </a:spcAft>
+              <a:buClr>
+                <a:schemeClr val="accent1"/>
+              </a:buClr>
+              <a:buFont typeface="Calibri" pitchFamily="34" charset="0"/>
+              <a:buChar char="◦"/>
+              <a:defRPr kumimoji="1" sz="1400" kern="1200">
+                <a:solidFill>
+                  <a:schemeClr val="tx1">
+                    <a:lumMod val="75000"/>
+                    <a:lumOff val="25000"/>
+                  </a:schemeClr>
+                </a:solidFill>
+                <a:latin typeface="+mn-lt"/>
+                <a:ea typeface="+mn-ea"/>
+                <a:cs typeface="+mn-cs"/>
+              </a:defRPr>
+            </a:lvl7pPr>
+            <a:lvl8pPr marL="1500000" indent="-228600" algn="l" defTabSz="914400" rtl="0" eaLnBrk="1" latinLnBrk="0" hangingPunct="1">
+              <a:lnSpc>
+                <a:spcPct val="90000"/>
+              </a:lnSpc>
+              <a:spcBef>
+                <a:spcPts val="200"/>
+              </a:spcBef>
+              <a:spcAft>
+                <a:spcPts val="400"/>
+              </a:spcAft>
+              <a:buClr>
+                <a:schemeClr val="accent1"/>
+              </a:buClr>
+              <a:buFont typeface="Calibri" pitchFamily="34" charset="0"/>
+              <a:buChar char="◦"/>
+              <a:defRPr kumimoji="1" sz="1400" kern="1200">
+                <a:solidFill>
+                  <a:schemeClr val="tx1">
+                    <a:lumMod val="75000"/>
+                    <a:lumOff val="25000"/>
+                  </a:schemeClr>
+                </a:solidFill>
+                <a:latin typeface="+mn-lt"/>
+                <a:ea typeface="+mn-ea"/>
+                <a:cs typeface="+mn-cs"/>
+              </a:defRPr>
+            </a:lvl8pPr>
+            <a:lvl9pPr marL="1700000" indent="-228600" algn="l" defTabSz="914400" rtl="0" eaLnBrk="1" latinLnBrk="0" hangingPunct="1">
+              <a:lnSpc>
+                <a:spcPct val="90000"/>
+              </a:lnSpc>
+              <a:spcBef>
+                <a:spcPts val="200"/>
+              </a:spcBef>
+              <a:spcAft>
+                <a:spcPts val="400"/>
+              </a:spcAft>
+              <a:buClr>
+                <a:schemeClr val="accent1"/>
+              </a:buClr>
+              <a:buFont typeface="Calibri" pitchFamily="34" charset="0"/>
+              <a:buChar char="◦"/>
+              <a:defRPr kumimoji="1" sz="1400" kern="1200">
+                <a:solidFill>
+                  <a:schemeClr val="tx1">
+                    <a:lumMod val="75000"/>
+                    <a:lumOff val="25000"/>
+                  </a:schemeClr>
+                </a:solidFill>
+                <a:latin typeface="+mn-lt"/>
+                <a:ea typeface="+mn-ea"/>
+                <a:cs typeface="+mn-cs"/>
+              </a:defRPr>
+            </a:lvl9pPr>
+          </a:lstStyle>
+          <a:p>
+            <a:pPr algn="r"/>
+            <a:r>
+              <a:rPr lang="en-US" altLang="ja-JP" dirty="0"/>
+              <a:t>1</a:t>
+            </a:r>
+          </a:p>
+          <a:p>
+            <a:pPr algn="r"/>
+            <a:r>
+              <a:rPr lang="en-US" altLang="ja-JP" dirty="0"/>
+              <a:t>2</a:t>
+            </a:r>
+          </a:p>
+          <a:p>
+            <a:pPr algn="r"/>
+            <a:r>
+              <a:rPr lang="en-US" altLang="ja-JP" dirty="0"/>
+              <a:t>3</a:t>
+            </a:r>
+          </a:p>
+          <a:p>
+            <a:pPr algn="r"/>
+            <a:r>
+              <a:rPr lang="en-US" altLang="ja-JP" dirty="0"/>
+              <a:t>4-5</a:t>
+            </a:r>
+          </a:p>
+          <a:p>
+            <a:pPr algn="r"/>
+            <a:r>
+              <a:rPr lang="en-US" altLang="ja-JP" dirty="0"/>
+              <a:t>6</a:t>
+            </a:r>
+          </a:p>
+          <a:p>
+            <a:pPr algn="r"/>
+            <a:r>
+              <a:rPr lang="en-US" altLang="ja-JP" dirty="0"/>
+              <a:t>7</a:t>
+            </a:r>
+          </a:p>
+          <a:p>
+            <a:pPr algn="r"/>
+            <a:r>
+              <a:rPr lang="en-US" altLang="ja-JP" dirty="0"/>
+              <a:t>8-10</a:t>
+            </a:r>
+          </a:p>
+        </p:txBody>
+      </p:sp>
+      <p:pic>
+        <p:nvPicPr>
+          <p:cNvPr id="3076" name="Picture 4" descr="ãã¦ã¹ã®ã¤ã©ã¹ãï¼ã³ã³ãã¥ã¼ã¿ã¼ï¼">
+            <a:extLst>
+              <a:ext uri="{FF2B5EF4-FFF2-40B4-BE49-F238E27FC236}">
+                <a16:creationId xmlns:a16="http://schemas.microsoft.com/office/drawing/2014/main" id="{3260143A-C814-4599-9C1D-C038E7F30AC9}"/>
+              </a:ext>
+            </a:extLst>
+          </p:cNvPr>
+          <p:cNvPicPr>
+            <a:picLocks noChangeAspect="1" noChangeArrowheads="1"/>
+          </p:cNvPicPr>
+          <p:nvPr/>
+        </p:nvPicPr>
+        <p:blipFill>
+          <a:blip r:embed="rId2">
+            <a:extLst>
+              <a:ext uri="{28A0092B-C50C-407E-A947-70E740481C1C}">
+                <a14:useLocalDpi xmlns:a14="http://schemas.microsoft.com/office/drawing/2010/main" val="0"/>
+              </a:ext>
+            </a:extLst>
+          </a:blip>
+          <a:srcRect/>
+          <a:stretch>
+            <a:fillRect/>
+          </a:stretch>
+        </p:blipFill>
+        <p:spPr bwMode="auto">
+          <a:xfrm>
+            <a:off x="6317599" y="4524862"/>
+            <a:ext cx="2049161" cy="1726418"/>
+          </a:xfrm>
+          <a:prstGeom prst="rect">
+            <a:avLst/>
+          </a:prstGeom>
+          <a:noFill/>
+          <a:extLst>
+            <a:ext uri="{909E8E84-426E-40DD-AFC4-6F175D3DCCD1}">
+              <a14:hiddenFill xmlns:a14="http://schemas.microsoft.com/office/drawing/2010/main">
+                <a:solidFill>
+                  <a:srgbClr val="FFFFFF"/>
+                </a:solidFill>
+              </a14:hiddenFill>
+            </a:ext>
+          </a:extLst>
+        </p:spPr>
+      </p:pic>
     </p:spTree>
     <p:extLst>
       <p:ext uri="{BB962C8B-B14F-4D97-AF65-F5344CB8AC3E}">
@@ -6515,21 +7123,760 @@
             <p:ph idx="1"/>
           </p:nvPr>
         </p:nvSpPr>
-        <p:spPr/>
+        <p:spPr>
+          <a:xfrm>
+            <a:off x="822959" y="1845734"/>
+            <a:ext cx="7543801" cy="4490898"/>
+          </a:xfrm>
+        </p:spPr>
         <p:txBody>
           <a:bodyPr/>
           <a:lstStyle/>
           <a:p>
-            <a:r>
-              <a:rPr kumimoji="1" lang="en-US" altLang="ja-JP" dirty="0"/>
-              <a:t>1. What is IDE</a:t>
-            </a:r>
-          </a:p>
-          <a:p>
             <a:pPr marL="0" indent="0">
               <a:buNone/>
             </a:pPr>
-            <a:endParaRPr kumimoji="1" lang="ja-JP" altLang="en-US" dirty="0"/>
+            <a:r>
+              <a:rPr lang="en-US" altLang="ja-JP" b="1" dirty="0"/>
+              <a:t>&lt;Definition&gt;</a:t>
+            </a:r>
+          </a:p>
+          <a:p>
+            <a:pPr marL="0" indent="0">
+              <a:buNone/>
+            </a:pPr>
+            <a:r>
+              <a:rPr lang="ja-JP" altLang="en-US" dirty="0"/>
+              <a:t>　・</a:t>
+            </a:r>
+            <a:r>
+              <a:rPr lang="en-US" altLang="ja-JP" dirty="0"/>
+              <a:t>IDE: Integrated Development Environment</a:t>
+            </a:r>
+          </a:p>
+          <a:p>
+            <a:pPr marL="0" indent="0">
+              <a:buNone/>
+            </a:pPr>
+            <a:r>
+              <a:rPr lang="ja-JP" altLang="en-US" dirty="0"/>
+              <a:t>　・</a:t>
+            </a:r>
+            <a:r>
+              <a:rPr lang="en-US" altLang="ja-JP" dirty="0"/>
+              <a:t>Interactive operation environment </a:t>
+            </a:r>
+          </a:p>
+          <a:p>
+            <a:pPr marL="0" indent="0">
+              <a:buNone/>
+            </a:pPr>
+            <a:r>
+              <a:rPr lang="ja-JP" altLang="en-US" dirty="0"/>
+              <a:t>　　</a:t>
+            </a:r>
+            <a:r>
+              <a:rPr lang="en-US" altLang="ja-JP" dirty="0"/>
+              <a:t>which consists of </a:t>
+            </a:r>
+            <a:r>
+              <a:rPr lang="en-US" altLang="ja-JP" b="1" dirty="0">
+                <a:solidFill>
+                  <a:srgbClr val="FF0000"/>
+                </a:solidFill>
+              </a:rPr>
+              <a:t>text editor, compiler, debugger</a:t>
+            </a:r>
+            <a:r>
+              <a:rPr lang="en-US" altLang="ja-JP" dirty="0"/>
+              <a:t> and so on</a:t>
+            </a:r>
+          </a:p>
+          <a:p>
+            <a:pPr marL="0" indent="0">
+              <a:buNone/>
+            </a:pPr>
+            <a:r>
+              <a:rPr lang="ja-JP" altLang="en-US" dirty="0"/>
+              <a:t>　・</a:t>
+            </a:r>
+            <a:r>
+              <a:rPr lang="en-US" altLang="ja-JP" dirty="0"/>
+              <a:t>Most of IDE are GUI (Graphical User Interface) </a:t>
+            </a:r>
+            <a:r>
+              <a:rPr lang="ja-JP" altLang="en-US" dirty="0"/>
+              <a:t>⇔ </a:t>
+            </a:r>
+            <a:r>
+              <a:rPr lang="en-US" altLang="ja-JP" dirty="0"/>
+              <a:t>CUI</a:t>
+            </a:r>
+          </a:p>
+          <a:p>
+            <a:pPr marL="0" indent="0">
+              <a:buNone/>
+            </a:pPr>
+            <a:r>
+              <a:rPr lang="en-US" altLang="ja-JP" b="1" dirty="0"/>
+              <a:t>&lt;Examples of IDE&gt;</a:t>
+            </a:r>
+            <a:endParaRPr kumimoji="1" lang="en-US" altLang="ja-JP" dirty="0"/>
+          </a:p>
+        </p:txBody>
+      </p:sp>
+      <p:pic>
+        <p:nvPicPr>
+          <p:cNvPr id="4" name="Picture 6" descr="https://regmedia.co.uk/2013/11/13/visual_studio.jpg?x=1200&amp;y=794">
+            <a:extLst>
+              <a:ext uri="{FF2B5EF4-FFF2-40B4-BE49-F238E27FC236}">
+                <a16:creationId xmlns:a16="http://schemas.microsoft.com/office/drawing/2014/main" id="{4A2F3BEC-14F2-4D27-A011-6F21DED1FA09}"/>
+              </a:ext>
+            </a:extLst>
+          </p:cNvPr>
+          <p:cNvPicPr>
+            <a:picLocks noChangeAspect="1" noChangeArrowheads="1"/>
+          </p:cNvPicPr>
+          <p:nvPr/>
+        </p:nvPicPr>
+        <p:blipFill>
+          <a:blip r:embed="rId2">
+            <a:extLst>
+              <a:ext uri="{28A0092B-C50C-407E-A947-70E740481C1C}">
+                <a14:useLocalDpi xmlns:a14="http://schemas.microsoft.com/office/drawing/2010/main" val="0"/>
+              </a:ext>
+            </a:extLst>
+          </a:blip>
+          <a:srcRect/>
+          <a:stretch>
+            <a:fillRect/>
+          </a:stretch>
+        </p:blipFill>
+        <p:spPr bwMode="auto">
+          <a:xfrm>
+            <a:off x="822959" y="4813948"/>
+            <a:ext cx="1709209" cy="1130926"/>
+          </a:xfrm>
+          <a:prstGeom prst="rect">
+            <a:avLst/>
+          </a:prstGeom>
+          <a:noFill/>
+          <a:ln w="38100">
+            <a:solidFill>
+              <a:srgbClr val="FF0000"/>
+            </a:solidFill>
+          </a:ln>
+          <a:effectLst>
+            <a:outerShdw blurRad="63500" sx="102000" sy="102000" algn="ctr" rotWithShape="0">
+              <a:prstClr val="black">
+                <a:alpha val="40000"/>
+              </a:prstClr>
+            </a:outerShdw>
+          </a:effectLst>
+          <a:extLst>
+            <a:ext uri="{909E8E84-426E-40DD-AFC4-6F175D3DCCD1}">
+              <a14:hiddenFill xmlns:a14="http://schemas.microsoft.com/office/drawing/2010/main">
+                <a:solidFill>
+                  <a:srgbClr val="FFFFFF"/>
+                </a:solidFill>
+              </a14:hiddenFill>
+            </a:ext>
+          </a:extLst>
+        </p:spPr>
+      </p:pic>
+      <p:pic>
+        <p:nvPicPr>
+          <p:cNvPr id="5" name="Picture 4" descr="https://tedvinke.files.wordpress.com/2015/10/eclipse-mars-logo.png?w=736">
+            <a:extLst>
+              <a:ext uri="{FF2B5EF4-FFF2-40B4-BE49-F238E27FC236}">
+                <a16:creationId xmlns:a16="http://schemas.microsoft.com/office/drawing/2014/main" id="{37A59C60-D4D0-4A61-9CFB-62F92EBC2A3B}"/>
+              </a:ext>
+            </a:extLst>
+          </p:cNvPr>
+          <p:cNvPicPr>
+            <a:picLocks noChangeAspect="1" noChangeArrowheads="1"/>
+          </p:cNvPicPr>
+          <p:nvPr/>
+        </p:nvPicPr>
+        <p:blipFill>
+          <a:blip r:embed="rId3">
+            <a:extLst>
+              <a:ext uri="{28A0092B-C50C-407E-A947-70E740481C1C}">
+                <a14:useLocalDpi xmlns:a14="http://schemas.microsoft.com/office/drawing/2010/main" val="0"/>
+              </a:ext>
+            </a:extLst>
+          </a:blip>
+          <a:srcRect/>
+          <a:stretch>
+            <a:fillRect/>
+          </a:stretch>
+        </p:blipFill>
+        <p:spPr bwMode="auto">
+          <a:xfrm>
+            <a:off x="2745193" y="4813948"/>
+            <a:ext cx="1709209" cy="1140736"/>
+          </a:xfrm>
+          <a:prstGeom prst="rect">
+            <a:avLst/>
+          </a:prstGeom>
+          <a:noFill/>
+          <a:effectLst>
+            <a:outerShdw blurRad="63500" sx="102000" sy="102000" algn="ctr" rotWithShape="0">
+              <a:prstClr val="black">
+                <a:alpha val="40000"/>
+              </a:prstClr>
+            </a:outerShdw>
+          </a:effectLst>
+          <a:extLst>
+            <a:ext uri="{909E8E84-426E-40DD-AFC4-6F175D3DCCD1}">
+              <a14:hiddenFill xmlns:a14="http://schemas.microsoft.com/office/drawing/2010/main">
+                <a:solidFill>
+                  <a:srgbClr val="FFFFFF"/>
+                </a:solidFill>
+              </a14:hiddenFill>
+            </a:ext>
+          </a:extLst>
+        </p:spPr>
+      </p:pic>
+      <p:pic>
+        <p:nvPicPr>
+          <p:cNvPr id="6" name="Picture 8" descr="http://a3.mzstatic.com/us/r30/Purple30/v4/f3/d4/1f/f3d41fc1-0925-f078-c19e-ce00e6d724bf/icon256.png">
+            <a:extLst>
+              <a:ext uri="{FF2B5EF4-FFF2-40B4-BE49-F238E27FC236}">
+                <a16:creationId xmlns:a16="http://schemas.microsoft.com/office/drawing/2014/main" id="{9A7D87E8-E4A0-4E5D-A497-9D38E7F6421F}"/>
+              </a:ext>
+            </a:extLst>
+          </p:cNvPr>
+          <p:cNvPicPr>
+            <a:picLocks noChangeAspect="1" noChangeArrowheads="1"/>
+          </p:cNvPicPr>
+          <p:nvPr/>
+        </p:nvPicPr>
+        <p:blipFill>
+          <a:blip r:embed="rId4">
+            <a:extLst>
+              <a:ext uri="{28A0092B-C50C-407E-A947-70E740481C1C}">
+                <a14:useLocalDpi xmlns:a14="http://schemas.microsoft.com/office/drawing/2010/main" val="0"/>
+              </a:ext>
+            </a:extLst>
+          </a:blip>
+          <a:srcRect/>
+          <a:stretch>
+            <a:fillRect/>
+          </a:stretch>
+        </p:blipFill>
+        <p:spPr bwMode="auto">
+          <a:xfrm>
+            <a:off x="4667427" y="4813949"/>
+            <a:ext cx="1138976" cy="1138976"/>
+          </a:xfrm>
+          <a:prstGeom prst="rect">
+            <a:avLst/>
+          </a:prstGeom>
+          <a:noFill/>
+          <a:effectLst>
+            <a:outerShdw blurRad="63500" sx="102000" sy="102000" algn="ctr" rotWithShape="0">
+              <a:prstClr val="black">
+                <a:alpha val="40000"/>
+              </a:prstClr>
+            </a:outerShdw>
+          </a:effectLst>
+          <a:extLst>
+            <a:ext uri="{909E8E84-426E-40DD-AFC4-6F175D3DCCD1}">
+              <a14:hiddenFill xmlns:a14="http://schemas.microsoft.com/office/drawing/2010/main">
+                <a:solidFill>
+                  <a:srgbClr val="FFFFFF"/>
+                </a:solidFill>
+              </a14:hiddenFill>
+            </a:ext>
+          </a:extLst>
+        </p:spPr>
+      </p:pic>
+      <p:pic>
+        <p:nvPicPr>
+          <p:cNvPr id="1026" name="Picture 2" descr="ãnetbeansãã®ç»åæ¤ç´¢çµæ">
+            <a:extLst>
+              <a:ext uri="{FF2B5EF4-FFF2-40B4-BE49-F238E27FC236}">
+                <a16:creationId xmlns:a16="http://schemas.microsoft.com/office/drawing/2014/main" id="{E73BBE32-9812-4A89-9941-F904E68FAA30}"/>
+              </a:ext>
+            </a:extLst>
+          </p:cNvPr>
+          <p:cNvPicPr>
+            <a:picLocks noChangeAspect="1" noChangeArrowheads="1"/>
+          </p:cNvPicPr>
+          <p:nvPr/>
+        </p:nvPicPr>
+        <p:blipFill>
+          <a:blip r:embed="rId5">
+            <a:extLst>
+              <a:ext uri="{28A0092B-C50C-407E-A947-70E740481C1C}">
+                <a14:useLocalDpi xmlns:a14="http://schemas.microsoft.com/office/drawing/2010/main" val="0"/>
+              </a:ext>
+            </a:extLst>
+          </a:blip>
+          <a:srcRect/>
+          <a:stretch>
+            <a:fillRect/>
+          </a:stretch>
+        </p:blipFill>
+        <p:spPr bwMode="auto">
+          <a:xfrm>
+            <a:off x="5806403" y="4826942"/>
+            <a:ext cx="2827315" cy="1130926"/>
+          </a:xfrm>
+          <a:prstGeom prst="rect">
+            <a:avLst/>
+          </a:prstGeom>
+          <a:noFill/>
+          <a:extLst>
+            <a:ext uri="{909E8E84-426E-40DD-AFC4-6F175D3DCCD1}">
+              <a14:hiddenFill xmlns:a14="http://schemas.microsoft.com/office/drawing/2010/main">
+                <a:solidFill>
+                  <a:srgbClr val="FFFFFF"/>
+                </a:solidFill>
+              </a14:hiddenFill>
+            </a:ext>
+          </a:extLst>
+        </p:spPr>
+      </p:pic>
+      <p:sp>
+        <p:nvSpPr>
+          <p:cNvPr id="8" name="テキスト ボックス 7">
+            <a:extLst>
+              <a:ext uri="{FF2B5EF4-FFF2-40B4-BE49-F238E27FC236}">
+                <a16:creationId xmlns:a16="http://schemas.microsoft.com/office/drawing/2014/main" id="{CE1D572C-01C0-4693-B5C3-D8A8127FA171}"/>
+              </a:ext>
+            </a:extLst>
+          </p:cNvPr>
+          <p:cNvSpPr txBox="1"/>
+          <p:nvPr/>
+        </p:nvSpPr>
+        <p:spPr>
+          <a:xfrm>
+            <a:off x="822960" y="5967300"/>
+            <a:ext cx="1709208" cy="369332"/>
+          </a:xfrm>
+          <a:prstGeom prst="rect">
+            <a:avLst/>
+          </a:prstGeom>
+          <a:noFill/>
+        </p:spPr>
+        <p:txBody>
+          <a:bodyPr wrap="square" rtlCol="0">
+            <a:spAutoFit/>
+          </a:bodyPr>
+          <a:lstStyle/>
+          <a:p>
+            <a:pPr algn="ctr"/>
+            <a:r>
+              <a:rPr kumimoji="1" lang="en-US" altLang="ja-JP" b="1" dirty="0">
+                <a:solidFill>
+                  <a:srgbClr val="FF0000"/>
+                </a:solidFill>
+              </a:rPr>
+              <a:t>by Microsoft</a:t>
+            </a:r>
+            <a:endParaRPr kumimoji="1" lang="ja-JP" altLang="en-US" b="1" dirty="0">
+              <a:solidFill>
+                <a:srgbClr val="FF0000"/>
+              </a:solidFill>
+            </a:endParaRPr>
+          </a:p>
+        </p:txBody>
+      </p:sp>
+      <p:sp>
+        <p:nvSpPr>
+          <p:cNvPr id="10" name="テキスト ボックス 9">
+            <a:extLst>
+              <a:ext uri="{FF2B5EF4-FFF2-40B4-BE49-F238E27FC236}">
+                <a16:creationId xmlns:a16="http://schemas.microsoft.com/office/drawing/2014/main" id="{90AB7CA7-E6D5-4DFA-951F-F86F2C13D8EB}"/>
+              </a:ext>
+            </a:extLst>
+          </p:cNvPr>
+          <p:cNvSpPr txBox="1"/>
+          <p:nvPr/>
+        </p:nvSpPr>
+        <p:spPr>
+          <a:xfrm>
+            <a:off x="2932532" y="5967300"/>
+            <a:ext cx="1334529" cy="369332"/>
+          </a:xfrm>
+          <a:prstGeom prst="rect">
+            <a:avLst/>
+          </a:prstGeom>
+          <a:noFill/>
+        </p:spPr>
+        <p:txBody>
+          <a:bodyPr wrap="square" rtlCol="0">
+            <a:spAutoFit/>
+          </a:bodyPr>
+          <a:lstStyle/>
+          <a:p>
+            <a:pPr algn="ctr"/>
+            <a:r>
+              <a:rPr kumimoji="1" lang="en-US" altLang="ja-JP" dirty="0">
+                <a:solidFill>
+                  <a:schemeClr val="tx1">
+                    <a:lumMod val="75000"/>
+                    <a:lumOff val="25000"/>
+                  </a:schemeClr>
+                </a:solidFill>
+              </a:rPr>
+              <a:t>by IBM</a:t>
+            </a:r>
+            <a:endParaRPr kumimoji="1" lang="ja-JP" altLang="en-US" dirty="0">
+              <a:solidFill>
+                <a:schemeClr val="tx1">
+                  <a:lumMod val="75000"/>
+                  <a:lumOff val="25000"/>
+                </a:schemeClr>
+              </a:solidFill>
+            </a:endParaRPr>
+          </a:p>
+        </p:txBody>
+      </p:sp>
+      <p:sp>
+        <p:nvSpPr>
+          <p:cNvPr id="11" name="テキスト ボックス 10">
+            <a:extLst>
+              <a:ext uri="{FF2B5EF4-FFF2-40B4-BE49-F238E27FC236}">
+                <a16:creationId xmlns:a16="http://schemas.microsoft.com/office/drawing/2014/main" id="{CE74AD90-0CBF-4E1B-8637-636759B12034}"/>
+              </a:ext>
+            </a:extLst>
+          </p:cNvPr>
+          <p:cNvSpPr txBox="1"/>
+          <p:nvPr/>
+        </p:nvSpPr>
+        <p:spPr>
+          <a:xfrm>
+            <a:off x="4517407" y="5967300"/>
+            <a:ext cx="1334529" cy="369332"/>
+          </a:xfrm>
+          <a:prstGeom prst="rect">
+            <a:avLst/>
+          </a:prstGeom>
+          <a:noFill/>
+        </p:spPr>
+        <p:txBody>
+          <a:bodyPr wrap="square" rtlCol="0">
+            <a:spAutoFit/>
+          </a:bodyPr>
+          <a:lstStyle/>
+          <a:p>
+            <a:pPr algn="ctr"/>
+            <a:r>
+              <a:rPr kumimoji="1" lang="en-US" altLang="ja-JP" dirty="0">
+                <a:solidFill>
+                  <a:schemeClr val="tx1">
+                    <a:lumMod val="75000"/>
+                    <a:lumOff val="25000"/>
+                  </a:schemeClr>
+                </a:solidFill>
+              </a:rPr>
+              <a:t>by Apple</a:t>
+            </a:r>
+            <a:endParaRPr kumimoji="1" lang="ja-JP" altLang="en-US" dirty="0">
+              <a:solidFill>
+                <a:schemeClr val="tx1">
+                  <a:lumMod val="75000"/>
+                  <a:lumOff val="25000"/>
+                </a:schemeClr>
+              </a:solidFill>
+            </a:endParaRPr>
+          </a:p>
+        </p:txBody>
+      </p:sp>
+      <p:sp>
+        <p:nvSpPr>
+          <p:cNvPr id="12" name="テキスト ボックス 11">
+            <a:extLst>
+              <a:ext uri="{FF2B5EF4-FFF2-40B4-BE49-F238E27FC236}">
+                <a16:creationId xmlns:a16="http://schemas.microsoft.com/office/drawing/2014/main" id="{E6A7AD77-B542-4344-A6A7-84A68F591EEB}"/>
+              </a:ext>
+            </a:extLst>
+          </p:cNvPr>
+          <p:cNvSpPr txBox="1"/>
+          <p:nvPr/>
+        </p:nvSpPr>
+        <p:spPr>
+          <a:xfrm>
+            <a:off x="5954342" y="5967300"/>
+            <a:ext cx="2531435" cy="369332"/>
+          </a:xfrm>
+          <a:prstGeom prst="rect">
+            <a:avLst/>
+          </a:prstGeom>
+          <a:noFill/>
+        </p:spPr>
+        <p:txBody>
+          <a:bodyPr wrap="square" rtlCol="0">
+            <a:spAutoFit/>
+          </a:bodyPr>
+          <a:lstStyle/>
+          <a:p>
+            <a:pPr algn="ctr"/>
+            <a:r>
+              <a:rPr kumimoji="1" lang="en-US" altLang="ja-JP" dirty="0">
+                <a:solidFill>
+                  <a:schemeClr val="tx1">
+                    <a:lumMod val="75000"/>
+                    <a:lumOff val="25000"/>
+                  </a:schemeClr>
+                </a:solidFill>
+              </a:rPr>
+              <a:t>by Oracle(mainly)</a:t>
+            </a:r>
+            <a:endParaRPr kumimoji="1" lang="ja-JP" altLang="en-US" dirty="0">
+              <a:solidFill>
+                <a:schemeClr val="tx1">
+                  <a:lumMod val="75000"/>
+                  <a:lumOff val="25000"/>
+                </a:schemeClr>
+              </a:solidFill>
+            </a:endParaRPr>
+          </a:p>
+        </p:txBody>
+      </p:sp>
+      <p:sp>
+        <p:nvSpPr>
+          <p:cNvPr id="13" name="テキスト ボックス 12">
+            <a:extLst>
+              <a:ext uri="{FF2B5EF4-FFF2-40B4-BE49-F238E27FC236}">
+                <a16:creationId xmlns:a16="http://schemas.microsoft.com/office/drawing/2014/main" id="{FA0CD107-1A25-4967-BFD2-E1C2A6095B7A}"/>
+              </a:ext>
+            </a:extLst>
+          </p:cNvPr>
+          <p:cNvSpPr txBox="1"/>
+          <p:nvPr/>
+        </p:nvSpPr>
+        <p:spPr>
+          <a:xfrm>
+            <a:off x="822960" y="4430241"/>
+            <a:ext cx="1709208" cy="369332"/>
+          </a:xfrm>
+          <a:prstGeom prst="rect">
+            <a:avLst/>
+          </a:prstGeom>
+          <a:noFill/>
+        </p:spPr>
+        <p:txBody>
+          <a:bodyPr wrap="square" rtlCol="0">
+            <a:spAutoFit/>
+          </a:bodyPr>
+          <a:lstStyle/>
+          <a:p>
+            <a:pPr algn="ctr"/>
+            <a:r>
+              <a:rPr kumimoji="1" lang="en-US" altLang="ja-JP" b="1" dirty="0">
+                <a:solidFill>
+                  <a:srgbClr val="FF0000"/>
+                </a:solidFill>
+              </a:rPr>
+              <a:t>Visual Studio</a:t>
+            </a:r>
+            <a:endParaRPr kumimoji="1" lang="ja-JP" altLang="en-US" b="1" dirty="0">
+              <a:solidFill>
+                <a:srgbClr val="FF0000"/>
+              </a:solidFill>
+            </a:endParaRPr>
+          </a:p>
+        </p:txBody>
+      </p:sp>
+      <p:sp>
+        <p:nvSpPr>
+          <p:cNvPr id="14" name="テキスト ボックス 13">
+            <a:extLst>
+              <a:ext uri="{FF2B5EF4-FFF2-40B4-BE49-F238E27FC236}">
+                <a16:creationId xmlns:a16="http://schemas.microsoft.com/office/drawing/2014/main" id="{81F61192-7CB0-4186-AB7C-0743BED217F6}"/>
+              </a:ext>
+            </a:extLst>
+          </p:cNvPr>
+          <p:cNvSpPr txBox="1"/>
+          <p:nvPr/>
+        </p:nvSpPr>
+        <p:spPr>
+          <a:xfrm>
+            <a:off x="2932532" y="4430241"/>
+            <a:ext cx="1334529" cy="369332"/>
+          </a:xfrm>
+          <a:prstGeom prst="rect">
+            <a:avLst/>
+          </a:prstGeom>
+          <a:noFill/>
+        </p:spPr>
+        <p:txBody>
+          <a:bodyPr wrap="square" rtlCol="0">
+            <a:spAutoFit/>
+          </a:bodyPr>
+          <a:lstStyle/>
+          <a:p>
+            <a:pPr algn="ctr"/>
+            <a:r>
+              <a:rPr kumimoji="1" lang="en-US" altLang="ja-JP" dirty="0">
+                <a:solidFill>
+                  <a:schemeClr val="tx1">
+                    <a:lumMod val="75000"/>
+                    <a:lumOff val="25000"/>
+                  </a:schemeClr>
+                </a:solidFill>
+              </a:rPr>
+              <a:t>Eclipse</a:t>
+            </a:r>
+            <a:endParaRPr kumimoji="1" lang="ja-JP" altLang="en-US" dirty="0">
+              <a:solidFill>
+                <a:schemeClr val="tx1">
+                  <a:lumMod val="75000"/>
+                  <a:lumOff val="25000"/>
+                </a:schemeClr>
+              </a:solidFill>
+            </a:endParaRPr>
+          </a:p>
+        </p:txBody>
+      </p:sp>
+      <p:sp>
+        <p:nvSpPr>
+          <p:cNvPr id="15" name="テキスト ボックス 14">
+            <a:extLst>
+              <a:ext uri="{FF2B5EF4-FFF2-40B4-BE49-F238E27FC236}">
+                <a16:creationId xmlns:a16="http://schemas.microsoft.com/office/drawing/2014/main" id="{C576A519-2A08-41BF-861F-F15325BCE39D}"/>
+              </a:ext>
+            </a:extLst>
+          </p:cNvPr>
+          <p:cNvSpPr txBox="1"/>
+          <p:nvPr/>
+        </p:nvSpPr>
+        <p:spPr>
+          <a:xfrm>
+            <a:off x="4517407" y="4430241"/>
+            <a:ext cx="1334529" cy="369332"/>
+          </a:xfrm>
+          <a:prstGeom prst="rect">
+            <a:avLst/>
+          </a:prstGeom>
+          <a:noFill/>
+        </p:spPr>
+        <p:txBody>
+          <a:bodyPr wrap="square" rtlCol="0">
+            <a:spAutoFit/>
+          </a:bodyPr>
+          <a:lstStyle/>
+          <a:p>
+            <a:pPr algn="ctr"/>
+            <a:r>
+              <a:rPr kumimoji="1" lang="en-US" altLang="ja-JP" dirty="0" err="1">
+                <a:solidFill>
+                  <a:schemeClr val="tx1">
+                    <a:lumMod val="75000"/>
+                    <a:lumOff val="25000"/>
+                  </a:schemeClr>
+                </a:solidFill>
+              </a:rPr>
+              <a:t>Xcode</a:t>
+            </a:r>
+            <a:endParaRPr kumimoji="1" lang="ja-JP" altLang="en-US" dirty="0">
+              <a:solidFill>
+                <a:schemeClr val="tx1">
+                  <a:lumMod val="75000"/>
+                  <a:lumOff val="25000"/>
+                </a:schemeClr>
+              </a:solidFill>
+            </a:endParaRPr>
+          </a:p>
+        </p:txBody>
+      </p:sp>
+      <p:sp>
+        <p:nvSpPr>
+          <p:cNvPr id="16" name="テキスト ボックス 15">
+            <a:extLst>
+              <a:ext uri="{FF2B5EF4-FFF2-40B4-BE49-F238E27FC236}">
+                <a16:creationId xmlns:a16="http://schemas.microsoft.com/office/drawing/2014/main" id="{611EAB19-0628-44BA-AE99-D9EF9A6C792A}"/>
+              </a:ext>
+            </a:extLst>
+          </p:cNvPr>
+          <p:cNvSpPr txBox="1"/>
+          <p:nvPr/>
+        </p:nvSpPr>
+        <p:spPr>
+          <a:xfrm>
+            <a:off x="5954342" y="4430241"/>
+            <a:ext cx="2531435" cy="369332"/>
+          </a:xfrm>
+          <a:prstGeom prst="rect">
+            <a:avLst/>
+          </a:prstGeom>
+          <a:noFill/>
+        </p:spPr>
+        <p:txBody>
+          <a:bodyPr wrap="square" rtlCol="0">
+            <a:spAutoFit/>
+          </a:bodyPr>
+          <a:lstStyle/>
+          <a:p>
+            <a:pPr algn="ctr"/>
+            <a:r>
+              <a:rPr kumimoji="1" lang="en-US" altLang="ja-JP" dirty="0">
+                <a:solidFill>
+                  <a:schemeClr val="tx1">
+                    <a:lumMod val="75000"/>
+                    <a:lumOff val="25000"/>
+                  </a:schemeClr>
+                </a:solidFill>
+              </a:rPr>
+              <a:t>NetBeans</a:t>
+            </a:r>
+            <a:endParaRPr kumimoji="1" lang="ja-JP" altLang="en-US" dirty="0">
+              <a:solidFill>
+                <a:schemeClr val="tx1">
+                  <a:lumMod val="75000"/>
+                  <a:lumOff val="25000"/>
+                </a:schemeClr>
+              </a:solidFill>
+            </a:endParaRPr>
+          </a:p>
+        </p:txBody>
+      </p:sp>
+      <p:sp>
+        <p:nvSpPr>
+          <p:cNvPr id="9" name="テキスト ボックス 8">
+            <a:extLst>
+              <a:ext uri="{FF2B5EF4-FFF2-40B4-BE49-F238E27FC236}">
+                <a16:creationId xmlns:a16="http://schemas.microsoft.com/office/drawing/2014/main" id="{21B4C6D1-6C5A-40A1-A7AF-02F0732D6AD6}"/>
+              </a:ext>
+            </a:extLst>
+          </p:cNvPr>
+          <p:cNvSpPr txBox="1"/>
+          <p:nvPr/>
+        </p:nvSpPr>
+        <p:spPr>
+          <a:xfrm>
+            <a:off x="7600641" y="6427426"/>
+            <a:ext cx="1358008" cy="400110"/>
+          </a:xfrm>
+          <a:prstGeom prst="rect">
+            <a:avLst/>
+          </a:prstGeom>
+          <a:noFill/>
+        </p:spPr>
+        <p:txBody>
+          <a:bodyPr wrap="square" rtlCol="0">
+            <a:spAutoFit/>
+          </a:bodyPr>
+          <a:lstStyle/>
+          <a:p>
+            <a:pPr algn="r"/>
+            <a:r>
+              <a:rPr kumimoji="1" lang="en-US" altLang="ja-JP" sz="2000" b="1" dirty="0">
+                <a:solidFill>
+                  <a:schemeClr val="bg1"/>
+                </a:solidFill>
+              </a:rPr>
+              <a:t>1</a:t>
+            </a:r>
+            <a:endParaRPr kumimoji="1" lang="ja-JP" altLang="en-US" sz="2000" b="1" dirty="0">
+              <a:solidFill>
+                <a:schemeClr val="bg1"/>
+              </a:solidFill>
+            </a:endParaRPr>
           </a:p>
         </p:txBody>
       </p:sp>
@@ -6608,18 +7955,228 @@
             <p:ph idx="1"/>
           </p:nvPr>
         </p:nvSpPr>
-        <p:spPr/>
-        <p:txBody>
-          <a:bodyPr/>
-          <a:lstStyle/>
-          <a:p>
+        <p:spPr>
+          <a:xfrm>
+            <a:off x="822959" y="1845734"/>
+            <a:ext cx="8321041" cy="5012266"/>
+          </a:xfrm>
+        </p:spPr>
+        <p:txBody>
+          <a:bodyPr>
+            <a:normAutofit/>
+          </a:bodyPr>
+          <a:lstStyle/>
+          <a:p>
+            <a:pPr marL="0" indent="0">
+              <a:buNone/>
+            </a:pPr>
+            <a:r>
+              <a:rPr lang="en-US" altLang="ja-JP" b="1" dirty="0"/>
+              <a:t>&lt;Description&gt;</a:t>
+            </a:r>
+          </a:p>
+          <a:p>
+            <a:pPr marL="0" indent="0">
+              <a:buNone/>
+            </a:pPr>
+            <a:r>
+              <a:rPr lang="ja-JP" altLang="en-US" dirty="0"/>
+              <a:t>　・</a:t>
+            </a:r>
+            <a:r>
+              <a:rPr lang="en-US" altLang="ja-JP" dirty="0"/>
+              <a:t>IDE provided by Microsoft</a:t>
+            </a:r>
+          </a:p>
+          <a:p>
+            <a:pPr marL="0" indent="0">
+              <a:buNone/>
+            </a:pPr>
+            <a:r>
+              <a:rPr kumimoji="1" lang="ja-JP" altLang="en-US" dirty="0"/>
+              <a:t>　・</a:t>
+            </a:r>
             <a:r>
               <a:rPr kumimoji="1" lang="en-US" altLang="ja-JP" dirty="0"/>
-              <a:t>1. What is IDE</a:t>
-            </a:r>
-          </a:p>
-          <a:p>
+              <a:t>Mainly for </a:t>
+            </a:r>
+            <a:r>
+              <a:rPr kumimoji="1" lang="en-US" altLang="ja-JP" b="1" dirty="0">
+                <a:solidFill>
+                  <a:srgbClr val="FF0000"/>
+                </a:solidFill>
+              </a:rPr>
+              <a:t>Windows</a:t>
+            </a:r>
+            <a:r>
+              <a:rPr kumimoji="1" lang="en-US" altLang="ja-JP" dirty="0"/>
+              <a:t> (Mac is also OK)</a:t>
+            </a:r>
+          </a:p>
+          <a:p>
+            <a:pPr marL="0" indent="0">
+              <a:buNone/>
+            </a:pPr>
+            <a:r>
+              <a:rPr kumimoji="1" lang="ja-JP" altLang="en-US" dirty="0"/>
+              <a:t>　・</a:t>
+            </a:r>
+            <a:r>
+              <a:rPr kumimoji="1" lang="en-US" altLang="ja-JP" b="1" dirty="0">
+                <a:solidFill>
+                  <a:srgbClr val="FF0000"/>
+                </a:solidFill>
+              </a:rPr>
+              <a:t>C++, </a:t>
+            </a:r>
+            <a:r>
+              <a:rPr lang="en-US" altLang="ja-JP" dirty="0"/>
+              <a:t>C#, Visual Basic, JavaScript, </a:t>
+            </a:r>
+            <a:r>
+              <a:rPr lang="en-US" altLang="ja-JP" b="1" dirty="0">
+                <a:solidFill>
+                  <a:srgbClr val="FF0000"/>
+                </a:solidFill>
+              </a:rPr>
+              <a:t>Python</a:t>
+            </a:r>
+            <a:r>
+              <a:rPr lang="en-US" altLang="ja-JP" dirty="0"/>
+              <a:t> and so on</a:t>
+            </a:r>
+          </a:p>
+          <a:p>
+            <a:pPr marL="0" indent="0">
+              <a:buNone/>
+            </a:pPr>
+            <a:r>
+              <a:rPr lang="ja-JP" altLang="en-US" dirty="0"/>
+              <a:t>　・</a:t>
+            </a:r>
+            <a:r>
+              <a:rPr lang="en-US" altLang="ja-JP" dirty="0"/>
+              <a:t>Visual Studio Community for free</a:t>
+            </a:r>
+          </a:p>
+          <a:p>
+            <a:pPr marL="0" indent="0">
+              <a:buNone/>
+            </a:pPr>
+            <a:r>
+              <a:rPr lang="ja-JP" altLang="en-US" dirty="0"/>
+              <a:t>　・</a:t>
+            </a:r>
+            <a:r>
+              <a:rPr lang="en-US" altLang="ja-JP" dirty="0"/>
+              <a:t>Other Editions for a fee</a:t>
+            </a:r>
+          </a:p>
+          <a:p>
+            <a:pPr marL="0" indent="0">
+              <a:buNone/>
+            </a:pPr>
+            <a:r>
+              <a:rPr kumimoji="1" lang="ja-JP" altLang="en-US" dirty="0"/>
+              <a:t>　　</a:t>
+            </a:r>
+            <a:r>
+              <a:rPr lang="en-US" altLang="ja-JP" dirty="0"/>
+              <a:t>Visual Studio </a:t>
+            </a:r>
+            <a:r>
+              <a:rPr kumimoji="1" lang="en-US" altLang="ja-JP" dirty="0"/>
+              <a:t>Professional</a:t>
+            </a:r>
+          </a:p>
+          <a:p>
+            <a:pPr marL="0" indent="0">
+              <a:buNone/>
+            </a:pPr>
+            <a:r>
+              <a:rPr lang="ja-JP" altLang="en-US" dirty="0"/>
+              <a:t>　　</a:t>
+            </a:r>
+            <a:r>
+              <a:rPr lang="en-US" altLang="ja-JP" dirty="0"/>
+              <a:t>Visual Studio Test Professional </a:t>
+            </a:r>
+            <a:endParaRPr kumimoji="1" lang="en-US" altLang="ja-JP" dirty="0"/>
+          </a:p>
+          <a:p>
+            <a:pPr marL="0" indent="0">
+              <a:buNone/>
+            </a:pPr>
+            <a:r>
+              <a:rPr lang="ja-JP" altLang="en-US" b="1" dirty="0"/>
+              <a:t>　　</a:t>
+            </a:r>
+            <a:r>
+              <a:rPr lang="en-US" altLang="ja-JP" b="1" dirty="0">
+                <a:solidFill>
+                  <a:srgbClr val="FF0000"/>
+                </a:solidFill>
+              </a:rPr>
+              <a:t>Visual Studio Enterprise</a:t>
+            </a:r>
+            <a:r>
+              <a:rPr lang="en-US" altLang="ja-JP" dirty="0"/>
+              <a:t>: Almighty </a:t>
+            </a:r>
+            <a:r>
+              <a:rPr lang="ja-JP" altLang="en-US" dirty="0"/>
+              <a:t>→ </a:t>
+            </a:r>
+            <a:r>
+              <a:rPr lang="en-US" altLang="ja-JP" dirty="0"/>
+              <a:t>We can get it for free</a:t>
+            </a:r>
             <a:endParaRPr kumimoji="1" lang="ja-JP" altLang="en-US" dirty="0"/>
+          </a:p>
+        </p:txBody>
+      </p:sp>
+      <p:sp>
+        <p:nvSpPr>
+          <p:cNvPr id="6" name="テキスト ボックス 5">
+            <a:extLst>
+              <a:ext uri="{FF2B5EF4-FFF2-40B4-BE49-F238E27FC236}">
+                <a16:creationId xmlns:a16="http://schemas.microsoft.com/office/drawing/2014/main" id="{A22D4A8A-D7A1-4C83-BC89-9355B367F7D7}"/>
+              </a:ext>
+            </a:extLst>
+          </p:cNvPr>
+          <p:cNvSpPr txBox="1"/>
+          <p:nvPr/>
+        </p:nvSpPr>
+        <p:spPr>
+          <a:xfrm>
+            <a:off x="7600641" y="6427426"/>
+            <a:ext cx="1358008" cy="400110"/>
+          </a:xfrm>
+          <a:prstGeom prst="rect">
+            <a:avLst/>
+          </a:prstGeom>
+          <a:noFill/>
+        </p:spPr>
+        <p:txBody>
+          <a:bodyPr wrap="square" rtlCol="0">
+            <a:spAutoFit/>
+          </a:bodyPr>
+          <a:lstStyle/>
+          <a:p>
+            <a:pPr algn="r"/>
+            <a:r>
+              <a:rPr kumimoji="1" lang="en-US" altLang="ja-JP" sz="2000" b="1" dirty="0">
+                <a:solidFill>
+                  <a:schemeClr val="bg1"/>
+                </a:solidFill>
+              </a:rPr>
+              <a:t>2</a:t>
+            </a:r>
+            <a:endParaRPr kumimoji="1" lang="ja-JP" altLang="en-US" sz="2000" b="1" dirty="0">
+              <a:solidFill>
+                <a:schemeClr val="bg1"/>
+              </a:solidFill>
+            </a:endParaRPr>
           </a:p>
         </p:txBody>
       </p:sp>
@@ -6676,7 +8233,11 @@
           <a:p>
             <a:r>
               <a:rPr kumimoji="1" lang="en-US" altLang="ja-JP" b="1" dirty="0"/>
-              <a:t>3. Functions of VS</a:t>
+              <a:t>3. </a:t>
+            </a:r>
+            <a:r>
+              <a:rPr lang="en-US" altLang="ja-JP" b="1" dirty="0"/>
+              <a:t>Functions of VS</a:t>
             </a:r>
             <a:endParaRPr kumimoji="1" lang="ja-JP" altLang="en-US" b="1" dirty="0"/>
           </a:p>
@@ -6698,25 +8259,285 @@
             <p:ph idx="1"/>
           </p:nvPr>
         </p:nvSpPr>
-        <p:spPr/>
-        <p:txBody>
-          <a:bodyPr/>
-          <a:lstStyle/>
-          <a:p>
-            <a:r>
-              <a:rPr kumimoji="1" lang="en-US" altLang="ja-JP" dirty="0"/>
-              <a:t>1. What is IDE</a:t>
-            </a:r>
-          </a:p>
-          <a:p>
-            <a:endParaRPr kumimoji="1" lang="ja-JP" altLang="en-US" dirty="0"/>
+        <p:spPr>
+          <a:xfrm>
+            <a:off x="822959" y="1845734"/>
+            <a:ext cx="8321041" cy="5012266"/>
+          </a:xfrm>
+        </p:spPr>
+        <p:txBody>
+          <a:bodyPr>
+            <a:normAutofit/>
+          </a:bodyPr>
+          <a:lstStyle/>
+          <a:p>
+            <a:pPr marL="0" indent="0">
+              <a:buNone/>
+            </a:pPr>
+            <a:r>
+              <a:rPr lang="en-US" altLang="ja-JP" b="1" dirty="0"/>
+              <a:t>&lt;Main Functions&gt;</a:t>
+            </a:r>
+          </a:p>
+          <a:p>
+            <a:pPr marL="0" indent="0">
+              <a:buNone/>
+            </a:pPr>
+            <a:r>
+              <a:rPr lang="ja-JP" altLang="en-US" b="1" dirty="0"/>
+              <a:t>　</a:t>
+            </a:r>
+            <a:r>
+              <a:rPr lang="ja-JP" altLang="en-US" dirty="0"/>
+              <a:t>・</a:t>
+            </a:r>
+            <a:r>
+              <a:rPr lang="en-US" altLang="ja-JP" b="1" dirty="0">
+                <a:solidFill>
+                  <a:srgbClr val="FF0000"/>
+                </a:solidFill>
+              </a:rPr>
+              <a:t>Code writing and editing</a:t>
+            </a:r>
+          </a:p>
+          <a:p>
+            <a:pPr marL="0" indent="0">
+              <a:buNone/>
+            </a:pPr>
+            <a:r>
+              <a:rPr lang="ja-JP" altLang="en-US" dirty="0"/>
+              <a:t>　・</a:t>
+            </a:r>
+            <a:r>
+              <a:rPr lang="en-US" altLang="ja-JP" b="1" dirty="0">
+                <a:solidFill>
+                  <a:srgbClr val="FF0000"/>
+                </a:solidFill>
+              </a:rPr>
+              <a:t>Compilers and Build Engines</a:t>
+            </a:r>
+            <a:r>
+              <a:rPr lang="en-US" altLang="ja-JP" dirty="0"/>
+              <a:t>: produce executable files</a:t>
+            </a:r>
+            <a:endParaRPr kumimoji="1" lang="en-US" altLang="ja-JP" dirty="0"/>
+          </a:p>
+          <a:p>
+            <a:pPr marL="0" indent="0">
+              <a:buNone/>
+            </a:pPr>
+            <a:r>
+              <a:rPr lang="ja-JP" altLang="en-US" dirty="0"/>
+              <a:t>　・</a:t>
+            </a:r>
+            <a:r>
+              <a:rPr lang="en-US" altLang="ja-JP" b="1" dirty="0">
+                <a:solidFill>
+                  <a:srgbClr val="FF0000"/>
+                </a:solidFill>
+              </a:rPr>
+              <a:t>Debugging Tools</a:t>
+            </a:r>
+            <a:r>
+              <a:rPr lang="en-US" altLang="ja-JP" dirty="0"/>
+              <a:t>: Troubleshoot problems in the code</a:t>
+            </a:r>
+            <a:endParaRPr kumimoji="1" lang="en-US" altLang="ja-JP" dirty="0"/>
+          </a:p>
+          <a:p>
+            <a:pPr marL="0" indent="0">
+              <a:buNone/>
+            </a:pPr>
+            <a:r>
+              <a:rPr lang="ja-JP" altLang="en-US" dirty="0"/>
+              <a:t>　・</a:t>
+            </a:r>
+            <a:r>
+              <a:rPr lang="en-US" altLang="ja-JP" b="1" dirty="0">
+                <a:solidFill>
+                  <a:srgbClr val="FF0000"/>
+                </a:solidFill>
+              </a:rPr>
+              <a:t>Testing Tools</a:t>
+            </a:r>
+            <a:r>
+              <a:rPr lang="en-US" altLang="ja-JP" dirty="0"/>
+              <a:t>: Unit test, Performance and code analysis tests</a:t>
+            </a:r>
+          </a:p>
+          <a:p>
+            <a:pPr marL="0" indent="0">
+              <a:buNone/>
+            </a:pPr>
+            <a:r>
+              <a:rPr kumimoji="1" lang="en-US" altLang="ja-JP" b="1" dirty="0"/>
+              <a:t>&lt;Other Functions&gt;</a:t>
+            </a:r>
+          </a:p>
+          <a:p>
+            <a:pPr marL="0" lvl="0" indent="0">
+              <a:buClr>
+                <a:srgbClr val="E48312"/>
+              </a:buClr>
+              <a:buNone/>
+            </a:pPr>
+            <a:r>
+              <a:rPr lang="ja-JP" altLang="en-US" dirty="0">
+                <a:solidFill>
+                  <a:srgbClr val="000000">
+                    <a:lumMod val="75000"/>
+                    <a:lumOff val="25000"/>
+                  </a:srgbClr>
+                </a:solidFill>
+              </a:rPr>
+              <a:t>　・</a:t>
+            </a:r>
+            <a:r>
+              <a:rPr lang="en-US" altLang="ja-JP" dirty="0">
+                <a:solidFill>
+                  <a:srgbClr val="000000">
+                    <a:lumMod val="75000"/>
+                    <a:lumOff val="25000"/>
+                  </a:srgbClr>
+                </a:solidFill>
+              </a:rPr>
+              <a:t>Visual Studio overview for beginners</a:t>
+            </a:r>
+          </a:p>
+          <a:p>
+            <a:pPr marL="0" lvl="0" indent="0">
+              <a:buClr>
+                <a:srgbClr val="E48312"/>
+              </a:buClr>
+              <a:buNone/>
+            </a:pPr>
+            <a:r>
+              <a:rPr lang="ja-JP" altLang="en-US" dirty="0">
+                <a:solidFill>
+                  <a:srgbClr val="000000">
+                    <a:lumMod val="75000"/>
+                    <a:lumOff val="25000"/>
+                  </a:srgbClr>
+                </a:solidFill>
+              </a:rPr>
+              <a:t>　　</a:t>
+            </a:r>
+            <a:r>
+              <a:rPr lang="en-US" altLang="ja-JP" sz="900" dirty="0">
+                <a:solidFill>
+                  <a:srgbClr val="000000">
+                    <a:lumMod val="75000"/>
+                    <a:lumOff val="25000"/>
+                  </a:srgbClr>
+                </a:solidFill>
+              </a:rPr>
+              <a:t>https://www.linkedin.com/learning/visual-studio-essential-training-01-exploring-the-visual-studio-ecosystem/visual-studio-overview-for-beginners</a:t>
+            </a:r>
+            <a:endParaRPr kumimoji="1" lang="en-US" altLang="ja-JP" b="1" dirty="0"/>
+          </a:p>
+          <a:p>
+            <a:pPr marL="0" indent="0">
+              <a:buNone/>
+            </a:pPr>
+            <a:r>
+              <a:rPr lang="ja-JP" altLang="en-US" dirty="0"/>
+              <a:t>　・</a:t>
+            </a:r>
+            <a:r>
+              <a:rPr lang="en-US" altLang="ja-JP" dirty="0"/>
+              <a:t>【Visual Studio 2017】</a:t>
+            </a:r>
+            <a:r>
+              <a:rPr lang="ja-JP" altLang="en-US" dirty="0"/>
+              <a:t>オススメの拡張機能 その</a:t>
+            </a:r>
+            <a:r>
+              <a:rPr lang="en-US" altLang="ja-JP" dirty="0"/>
+              <a:t>1</a:t>
+            </a:r>
+            <a:r>
+              <a:rPr lang="ja-JP" altLang="en-US" dirty="0"/>
+              <a:t>（</a:t>
+            </a:r>
+            <a:r>
+              <a:rPr lang="en-US" altLang="ja-JP" dirty="0"/>
+              <a:t>16</a:t>
+            </a:r>
+            <a:r>
+              <a:rPr lang="ja-JP" altLang="en-US" dirty="0"/>
+              <a:t>個）</a:t>
+            </a:r>
+            <a:endParaRPr lang="en-US" altLang="ja-JP" dirty="0"/>
+          </a:p>
+          <a:p>
+            <a:pPr marL="0" indent="0">
+              <a:buNone/>
+            </a:pPr>
+            <a:r>
+              <a:rPr lang="ja-JP" altLang="en-US" dirty="0"/>
+              <a:t>　</a:t>
+            </a:r>
+            <a:r>
+              <a:rPr lang="ja-JP" altLang="en-US" sz="1600" dirty="0"/>
+              <a:t>　</a:t>
+            </a:r>
+            <a:r>
+              <a:rPr lang="en-US" altLang="ja-JP" sz="900" dirty="0"/>
+              <a:t>http://baba-s.hatenablog.com/entry/2017/10/04/100000</a:t>
+            </a:r>
+            <a:endParaRPr lang="en-US" altLang="ja-JP" dirty="0"/>
+          </a:p>
+        </p:txBody>
+      </p:sp>
+      <p:sp>
+        <p:nvSpPr>
+          <p:cNvPr id="6" name="テキスト ボックス 5">
+            <a:extLst>
+              <a:ext uri="{FF2B5EF4-FFF2-40B4-BE49-F238E27FC236}">
+                <a16:creationId xmlns:a16="http://schemas.microsoft.com/office/drawing/2014/main" id="{DAE27DD4-914E-4B4A-B19C-0864A676C5AD}"/>
+              </a:ext>
+            </a:extLst>
+          </p:cNvPr>
+          <p:cNvSpPr txBox="1"/>
+          <p:nvPr/>
+        </p:nvSpPr>
+        <p:spPr>
+          <a:xfrm>
+            <a:off x="7600641" y="6427426"/>
+            <a:ext cx="1358008" cy="400110"/>
+          </a:xfrm>
+          <a:prstGeom prst="rect">
+            <a:avLst/>
+          </a:prstGeom>
+          <a:noFill/>
+        </p:spPr>
+        <p:txBody>
+          <a:bodyPr wrap="square" rtlCol="0">
+            <a:spAutoFit/>
+          </a:bodyPr>
+          <a:lstStyle/>
+          <a:p>
+            <a:pPr algn="r"/>
+            <a:r>
+              <a:rPr kumimoji="1" lang="en-US" altLang="ja-JP" sz="2000" b="1" dirty="0">
+                <a:solidFill>
+                  <a:schemeClr val="bg1"/>
+                </a:solidFill>
+              </a:rPr>
+              <a:t>3</a:t>
+            </a:r>
+            <a:endParaRPr kumimoji="1" lang="ja-JP" altLang="en-US" sz="2000" b="1" dirty="0">
+              <a:solidFill>
+                <a:schemeClr val="bg1"/>
+              </a:solidFill>
+            </a:endParaRPr>
           </a:p>
         </p:txBody>
       </p:sp>
     </p:spTree>
     <p:extLst>
       <p:ext uri="{BB962C8B-B14F-4D97-AF65-F5344CB8AC3E}">
-        <p14:creationId xmlns:p14="http://schemas.microsoft.com/office/powerpoint/2010/main" val="2353044603"/>
+        <p14:creationId xmlns:p14="http://schemas.microsoft.com/office/powerpoint/2010/main" val="1845234658"/>
       </p:ext>
     </p:extLst>
   </p:cSld>
@@ -6802,11 +8623,7 @@
           <a:p>
             <a:r>
               <a:rPr kumimoji="1" lang="en-US" altLang="ja-JP" dirty="0"/>
-              <a:t>You can download Visual Studio using </a:t>
-            </a:r>
-            <a:r>
-              <a:rPr kumimoji="1" lang="en-US" altLang="ja-JP" b="1" dirty="0"/>
-              <a:t>a license of UT</a:t>
+              <a:t>You can download Visual Studio using a license of UT</a:t>
             </a:r>
           </a:p>
           <a:p>
@@ -6867,14 +8684,18 @@
           <a:p>
             <a:r>
               <a:rPr lang="ja-JP" altLang="en-US" sz="1800" dirty="0"/>
-              <a:t>　 </a:t>
+              <a:t>　・</a:t>
             </a:r>
             <a:r>
               <a:rPr lang="en-US" altLang="ja-JP" sz="1800" dirty="0"/>
               <a:t>ID: Use your </a:t>
             </a:r>
             <a:r>
-              <a:rPr lang="en-US" altLang="ja-JP" sz="1800" b="1" dirty="0"/>
+              <a:rPr lang="en-US" altLang="ja-JP" sz="1800" b="1" dirty="0">
+                <a:solidFill>
+                  <a:srgbClr val="FF0000"/>
+                </a:solidFill>
+              </a:rPr>
               <a:t>10-digit-ID on your student card </a:t>
             </a:r>
             <a:r>
@@ -6885,7 +8706,7 @@
           <a:p>
             <a:r>
               <a:rPr lang="ja-JP" altLang="en-US" sz="1800" dirty="0"/>
-              <a:t>　       ①②③①④⑤⑥⑦⑩⑧⑨⑩    </a:t>
+              <a:t>　         ①②③①④⑤⑥⑦⑩⑧⑨⑩    </a:t>
             </a:r>
             <a:r>
               <a:rPr lang="en-US" altLang="ja-JP" sz="1800" dirty="0"/>
@@ -6916,19 +8737,15 @@
             </a:pPr>
             <a:r>
               <a:rPr lang="ja-JP" altLang="en-US" sz="1800" dirty="0"/>
-              <a:t>　　</a:t>
-            </a:r>
-            <a:r>
-              <a:rPr lang="en-US" altLang="ja-JP" sz="1800" dirty="0"/>
-              <a:t>Visual Studio </a:t>
-            </a:r>
-            <a:r>
-              <a:rPr lang="en-US" altLang="ja-JP" sz="1800" b="1" dirty="0"/>
-              <a:t>Enterprise</a:t>
-            </a:r>
-            <a:r>
-              <a:rPr lang="en-US" altLang="ja-JP" sz="1800" dirty="0"/>
-              <a:t> 2017 32/64-bit (Multilanguage)</a:t>
+              <a:t>　  ・</a:t>
+            </a:r>
+            <a:r>
+              <a:rPr lang="en-US" altLang="ja-JP" sz="1800" b="1" dirty="0">
+                <a:solidFill>
+                  <a:srgbClr val="FF0000"/>
+                </a:solidFill>
+              </a:rPr>
+              <a:t>Visual Studio Enterprise 2017 32/64-bit (Multilanguage)</a:t>
             </a:r>
           </a:p>
           <a:p>
@@ -6956,14 +8773,18 @@
           <a:p>
             <a:r>
               <a:rPr kumimoji="1" lang="ja-JP" altLang="en-US" dirty="0"/>
-              <a:t>　 </a:t>
+              <a:t>　・</a:t>
             </a:r>
             <a:r>
               <a:rPr kumimoji="1" lang="en-US" altLang="ja-JP" sz="1800" dirty="0"/>
               <a:t>Either </a:t>
             </a:r>
             <a:r>
-              <a:rPr kumimoji="1" lang="en-US" altLang="ja-JP" sz="1800" b="1" dirty="0"/>
+              <a:rPr kumimoji="1" lang="en-US" altLang="ja-JP" sz="1800" b="1" dirty="0">
+                <a:solidFill>
+                  <a:srgbClr val="FF0000"/>
+                </a:solidFill>
+              </a:rPr>
               <a:t>Download version </a:t>
             </a:r>
             <a:r>
@@ -6971,14 +8792,71 @@
               <a:t>or </a:t>
             </a:r>
             <a:r>
-              <a:rPr kumimoji="1" lang="en-US" altLang="ja-JP" sz="1800" b="1" dirty="0"/>
+              <a:rPr kumimoji="1" lang="en-US" altLang="ja-JP" sz="1800" b="1" dirty="0">
+                <a:solidFill>
+                  <a:srgbClr val="FF0000"/>
+                </a:solidFill>
+              </a:rPr>
               <a:t>Web Installer</a:t>
             </a:r>
             <a:r>
+              <a:rPr kumimoji="1" lang="en-US" altLang="ja-JP" sz="1800" dirty="0">
+                <a:solidFill>
+                  <a:srgbClr val="FF0000"/>
+                </a:solidFill>
+              </a:rPr>
+              <a:t> </a:t>
+            </a:r>
+            <a:r>
               <a:rPr kumimoji="1" lang="en-US" altLang="ja-JP" sz="1800" dirty="0"/>
-              <a:t> is OK</a:t>
+              <a:t>is OK</a:t>
             </a:r>
             <a:endParaRPr kumimoji="1" lang="en-US" altLang="ja-JP" dirty="0"/>
+          </a:p>
+        </p:txBody>
+      </p:sp>
+      <p:sp>
+        <p:nvSpPr>
+          <p:cNvPr id="4" name="テキスト ボックス 3">
+            <a:extLst>
+              <a:ext uri="{FF2B5EF4-FFF2-40B4-BE49-F238E27FC236}">
+                <a16:creationId xmlns:a16="http://schemas.microsoft.com/office/drawing/2014/main" id="{CED9EAA4-393D-4526-AEBE-CC526E65DC6C}"/>
+              </a:ext>
+            </a:extLst>
+          </p:cNvPr>
+          <p:cNvSpPr txBox="1"/>
+          <p:nvPr/>
+        </p:nvSpPr>
+        <p:spPr>
+          <a:xfrm>
+            <a:off x="7600641" y="6427426"/>
+            <a:ext cx="1358008" cy="400110"/>
+          </a:xfrm>
+          <a:prstGeom prst="rect">
+            <a:avLst/>
+          </a:prstGeom>
+          <a:noFill/>
+        </p:spPr>
+        <p:txBody>
+          <a:bodyPr wrap="square" rtlCol="0">
+            <a:spAutoFit/>
+          </a:bodyPr>
+          <a:lstStyle/>
+          <a:p>
+            <a:pPr algn="r"/>
+            <a:r>
+              <a:rPr kumimoji="1" lang="en-US" altLang="ja-JP" sz="2000" b="1" dirty="0">
+                <a:solidFill>
+                  <a:schemeClr val="bg1"/>
+                </a:solidFill>
+              </a:rPr>
+              <a:t>4</a:t>
+            </a:r>
+            <a:endParaRPr kumimoji="1" lang="ja-JP" altLang="en-US" sz="2000" b="1" dirty="0">
+              <a:solidFill>
+                <a:schemeClr val="bg1"/>
+              </a:solidFill>
+            </a:endParaRPr>
           </a:p>
         </p:txBody>
       </p:sp>
@@ -7323,6 +9201,51 @@
           </a:p>
         </p:txBody>
       </p:sp>
+      <p:sp>
+        <p:nvSpPr>
+          <p:cNvPr id="12" name="テキスト ボックス 11">
+            <a:extLst>
+              <a:ext uri="{FF2B5EF4-FFF2-40B4-BE49-F238E27FC236}">
+                <a16:creationId xmlns:a16="http://schemas.microsoft.com/office/drawing/2014/main" id="{4AA8E0ED-9FBC-4573-B788-1C2D49503796}"/>
+              </a:ext>
+            </a:extLst>
+          </p:cNvPr>
+          <p:cNvSpPr txBox="1"/>
+          <p:nvPr/>
+        </p:nvSpPr>
+        <p:spPr>
+          <a:xfrm>
+            <a:off x="7600641" y="6427426"/>
+            <a:ext cx="1358008" cy="400110"/>
+          </a:xfrm>
+          <a:prstGeom prst="rect">
+            <a:avLst/>
+          </a:prstGeom>
+          <a:noFill/>
+        </p:spPr>
+        <p:txBody>
+          <a:bodyPr wrap="square" rtlCol="0">
+            <a:spAutoFit/>
+          </a:bodyPr>
+          <a:lstStyle/>
+          <a:p>
+            <a:pPr algn="r"/>
+            <a:r>
+              <a:rPr kumimoji="1" lang="en-US" altLang="ja-JP" sz="2000" b="1" dirty="0">
+                <a:solidFill>
+                  <a:schemeClr val="bg1"/>
+                </a:solidFill>
+              </a:rPr>
+              <a:t>5</a:t>
+            </a:r>
+            <a:endParaRPr kumimoji="1" lang="ja-JP" altLang="en-US" sz="2000" b="1" dirty="0">
+              <a:solidFill>
+                <a:schemeClr val="bg1"/>
+              </a:solidFill>
+            </a:endParaRPr>
+          </a:p>
+        </p:txBody>
+      </p:sp>
     </p:spTree>
     <p:extLst>
       <p:ext uri="{BB962C8B-B14F-4D97-AF65-F5344CB8AC3E}">
@@ -7437,7 +9360,7 @@
             </a:r>
             <a:r>
               <a:rPr lang="en-US" altLang="ja-JP" sz="1800" dirty="0"/>
-              <a:t>It’s good to select programming language before you install</a:t>
+              <a:t>It’s good to select programming language when you install</a:t>
             </a:r>
           </a:p>
           <a:p>
@@ -7453,7 +9376,11 @@
               <a:t>Recommend </a:t>
             </a:r>
             <a:r>
-              <a:rPr lang="en-US" altLang="ja-JP" sz="1800" b="1" dirty="0"/>
+              <a:rPr lang="en-US" altLang="ja-JP" sz="1800" b="1" dirty="0">
+                <a:solidFill>
+                  <a:srgbClr val="FF0000"/>
+                </a:solidFill>
+              </a:rPr>
               <a:t>Visual C++ </a:t>
             </a:r>
             <a:r>
@@ -7461,10 +9388,18 @@
               <a:t>and </a:t>
             </a:r>
             <a:r>
-              <a:rPr lang="en-US" altLang="ja-JP" sz="1800" b="1" dirty="0"/>
+              <a:rPr lang="en-US" altLang="ja-JP" sz="1800" b="1" dirty="0">
+                <a:solidFill>
+                  <a:srgbClr val="FF0000"/>
+                </a:solidFill>
+              </a:rPr>
               <a:t>Python</a:t>
             </a:r>
-            <a:endParaRPr lang="en-US" altLang="ja-JP" b="1" dirty="0"/>
+            <a:endParaRPr lang="en-US" altLang="ja-JP" b="1" dirty="0">
+              <a:solidFill>
+                <a:srgbClr val="FF0000"/>
+              </a:solidFill>
+            </a:endParaRPr>
           </a:p>
           <a:p>
             <a:r>
@@ -7485,11 +9420,19 @@
               <a:t>You can login by </a:t>
             </a:r>
             <a:r>
-              <a:rPr lang="en-US" altLang="ja-JP" sz="1800" dirty="0" err="1"/>
+              <a:rPr lang="en-US" altLang="ja-JP" sz="1800" b="1" dirty="0" err="1">
+                <a:solidFill>
+                  <a:srgbClr val="FF0000"/>
+                </a:solidFill>
+              </a:rPr>
               <a:t>UTokyo</a:t>
             </a:r>
             <a:r>
-              <a:rPr lang="en-US" altLang="ja-JP" sz="1800" dirty="0"/>
+              <a:rPr lang="en-US" altLang="ja-JP" sz="1800" b="1" dirty="0">
+                <a:solidFill>
+                  <a:srgbClr val="FF0000"/>
+                </a:solidFill>
+              </a:rPr>
               <a:t> Account</a:t>
             </a:r>
           </a:p>
@@ -7526,6 +9469,51 @@
               <a:rPr lang="en-US" altLang="ja-JP" sz="1800" dirty="0"/>
               <a:t>Password: The same as UTAS</a:t>
             </a:r>
+          </a:p>
+        </p:txBody>
+      </p:sp>
+      <p:sp>
+        <p:nvSpPr>
+          <p:cNvPr id="4" name="テキスト ボックス 3">
+            <a:extLst>
+              <a:ext uri="{FF2B5EF4-FFF2-40B4-BE49-F238E27FC236}">
+                <a16:creationId xmlns:a16="http://schemas.microsoft.com/office/drawing/2014/main" id="{2DA47D94-F69F-40C5-82CA-CE475C865274}"/>
+              </a:ext>
+            </a:extLst>
+          </p:cNvPr>
+          <p:cNvSpPr txBox="1"/>
+          <p:nvPr/>
+        </p:nvSpPr>
+        <p:spPr>
+          <a:xfrm>
+            <a:off x="7600641" y="6427426"/>
+            <a:ext cx="1358008" cy="400110"/>
+          </a:xfrm>
+          <a:prstGeom prst="rect">
+            <a:avLst/>
+          </a:prstGeom>
+          <a:noFill/>
+        </p:spPr>
+        <p:txBody>
+          <a:bodyPr wrap="square" rtlCol="0">
+            <a:spAutoFit/>
+          </a:bodyPr>
+          <a:lstStyle/>
+          <a:p>
+            <a:pPr algn="r"/>
+            <a:r>
+              <a:rPr kumimoji="1" lang="en-US" altLang="ja-JP" sz="2000" b="1" dirty="0">
+                <a:solidFill>
+                  <a:schemeClr val="bg1"/>
+                </a:solidFill>
+              </a:rPr>
+              <a:t>6</a:t>
+            </a:r>
+            <a:endParaRPr kumimoji="1" lang="ja-JP" altLang="en-US" sz="2000" b="1" dirty="0">
+              <a:solidFill>
+                <a:schemeClr val="bg1"/>
+              </a:solidFill>
+            </a:endParaRPr>
           </a:p>
         </p:txBody>
       </p:sp>
@@ -7622,11 +9610,11 @@
           <a:p>
             <a:r>
               <a:rPr lang="ja-JP" altLang="en-US" b="1" dirty="0"/>
-              <a:t>　</a:t>
+              <a:t>　・</a:t>
             </a:r>
             <a:r>
               <a:rPr lang="en-US" altLang="ja-JP" dirty="0"/>
-              <a:t>students and staffs who belong to </a:t>
+              <a:t>Students and staffs who belong to </a:t>
             </a:r>
           </a:p>
           <a:p>
@@ -7635,7 +9623,11 @@
               <a:t>　　</a:t>
             </a:r>
             <a:r>
-              <a:rPr lang="en-US" altLang="ja-JP" dirty="0"/>
+              <a:rPr lang="en-US" altLang="ja-JP" b="1" dirty="0">
+                <a:solidFill>
+                  <a:srgbClr val="FF0000"/>
+                </a:solidFill>
+              </a:rPr>
               <a:t>Faculty of Engineering, School of Engineering,</a:t>
             </a:r>
           </a:p>
@@ -7658,7 +9650,7 @@
           <a:p>
             <a:r>
               <a:rPr lang="ja-JP" altLang="en-US" b="1" dirty="0"/>
-              <a:t>　</a:t>
+              <a:t>　・</a:t>
             </a:r>
             <a:r>
               <a:rPr lang="en-US" altLang="ja-JP" dirty="0"/>
@@ -7674,21 +9666,37 @@
           <a:p>
             <a:r>
               <a:rPr lang="ja-JP" altLang="en-US" b="1" dirty="0"/>
-              <a:t>　</a:t>
-            </a:r>
-            <a:r>
-              <a:rPr lang="en-US" altLang="ja-JP" u="sng" dirty="0"/>
-              <a:t>Private PC</a:t>
+              <a:t>　・</a:t>
+            </a:r>
+            <a:r>
+              <a:rPr lang="en-US" altLang="ja-JP" b="1" u="sng" dirty="0">
+                <a:solidFill>
+                  <a:srgbClr val="FF0000"/>
+                </a:solidFill>
+              </a:rPr>
+              <a:t>Private PC </a:t>
             </a:r>
             <a:r>
               <a:rPr lang="en-US" altLang="ja-JP" dirty="0"/>
-              <a:t> or lab PC of students and staffs</a:t>
+              <a:t>or </a:t>
+            </a:r>
+            <a:r>
+              <a:rPr lang="en-US" altLang="ja-JP" b="1" dirty="0">
+                <a:solidFill>
+                  <a:srgbClr val="FF0000"/>
+                </a:solidFill>
+              </a:rPr>
+              <a:t>lab PC </a:t>
+            </a:r>
+            <a:r>
+              <a:rPr lang="en-US" altLang="ja-JP" dirty="0"/>
+              <a:t>of students and staffs</a:t>
             </a:r>
           </a:p>
           <a:p>
             <a:r>
               <a:rPr lang="ja-JP" altLang="en-US" dirty="0"/>
-              <a:t>　</a:t>
+              <a:t>　　</a:t>
             </a:r>
             <a:r>
               <a:rPr lang="en-US" altLang="ja-JP" dirty="0"/>
@@ -7698,13 +9706,58 @@
           <a:p>
             <a:r>
               <a:rPr lang="ja-JP" altLang="en-US" dirty="0"/>
-              <a:t>　　</a:t>
+              <a:t>　　　</a:t>
             </a:r>
             <a:r>
               <a:rPr lang="en-US" altLang="ja-JP" sz="1400" dirty="0"/>
               <a:t>You can do research at home!</a:t>
             </a:r>
             <a:endParaRPr kumimoji="1" lang="ja-JP" altLang="en-US" dirty="0"/>
+          </a:p>
+        </p:txBody>
+      </p:sp>
+      <p:sp>
+        <p:nvSpPr>
+          <p:cNvPr id="4" name="テキスト ボックス 3">
+            <a:extLst>
+              <a:ext uri="{FF2B5EF4-FFF2-40B4-BE49-F238E27FC236}">
+                <a16:creationId xmlns:a16="http://schemas.microsoft.com/office/drawing/2014/main" id="{0EB96A13-A002-4D38-B615-6F155E0521F1}"/>
+              </a:ext>
+            </a:extLst>
+          </p:cNvPr>
+          <p:cNvSpPr txBox="1"/>
+          <p:nvPr/>
+        </p:nvSpPr>
+        <p:spPr>
+          <a:xfrm>
+            <a:off x="7600641" y="6427426"/>
+            <a:ext cx="1358008" cy="400110"/>
+          </a:xfrm>
+          <a:prstGeom prst="rect">
+            <a:avLst/>
+          </a:prstGeom>
+          <a:noFill/>
+        </p:spPr>
+        <p:txBody>
+          <a:bodyPr wrap="square" rtlCol="0">
+            <a:spAutoFit/>
+          </a:bodyPr>
+          <a:lstStyle/>
+          <a:p>
+            <a:pPr algn="r"/>
+            <a:r>
+              <a:rPr kumimoji="1" lang="en-US" altLang="ja-JP" sz="2000" b="1" dirty="0">
+                <a:solidFill>
+                  <a:schemeClr val="bg1"/>
+                </a:solidFill>
+              </a:rPr>
+              <a:t>7</a:t>
+            </a:r>
+            <a:endParaRPr kumimoji="1" lang="ja-JP" altLang="en-US" sz="2000" b="1" dirty="0">
+              <a:solidFill>
+                <a:schemeClr val="bg1"/>
+              </a:solidFill>
+            </a:endParaRPr>
           </a:p>
         </p:txBody>
       </p:sp>
